--- a/12_Unique_Petro_Minerals/2_Interpretation/SweepMechDiagram.pptx
+++ b/12_Unique_Petro_Minerals/2_Interpretation/SweepMechDiagram.pptx
@@ -126,6 +126,922 @@
 <file path=ppt/changesInfos/changesInfo1.xml><?xml version="1.0" encoding="utf-8"?>
 <pc:chgInfo xmlns:a="http://schemas.openxmlformats.org/drawingml/2006/main" xmlns:r="http://schemas.openxmlformats.org/officeDocument/2006/relationships" xmlns:ac="http://schemas.microsoft.com/office/drawing/2013/main/command" xmlns:pc="http://schemas.microsoft.com/office/powerpoint/2013/main/command">
   <pc:docChgLst>
+    <pc:chgData name="Ryan Lazaroo" userId="cb2ae2c7-790e-4888-82f8-d25990c1f4ef" providerId="ADAL" clId="{9A7FF2AE-D8CE-4471-B17D-762D8C18AF23}"/>
+    <pc:docChg chg="undo custSel addSld delSld modSld sldOrd">
+      <pc:chgData name="Ryan Lazaroo" userId="cb2ae2c7-790e-4888-82f8-d25990c1f4ef" providerId="ADAL" clId="{9A7FF2AE-D8CE-4471-B17D-762D8C18AF23}" dt="2023-03-14T03:33:55.627" v="1124" actId="478"/>
+      <pc:docMkLst>
+        <pc:docMk/>
+      </pc:docMkLst>
+      <pc:sldChg chg="addSp delSp modSp mod">
+        <pc:chgData name="Ryan Lazaroo" userId="cb2ae2c7-790e-4888-82f8-d25990c1f4ef" providerId="ADAL" clId="{9A7FF2AE-D8CE-4471-B17D-762D8C18AF23}" dt="2023-03-13T10:17:16.880" v="120" actId="164"/>
+        <pc:sldMkLst>
+          <pc:docMk/>
+          <pc:sldMk cId="1166562419" sldId="256"/>
+        </pc:sldMkLst>
+        <pc:spChg chg="mod">
+          <ac:chgData name="Ryan Lazaroo" userId="cb2ae2c7-790e-4888-82f8-d25990c1f4ef" providerId="ADAL" clId="{9A7FF2AE-D8CE-4471-B17D-762D8C18AF23}" dt="2023-03-13T10:12:52.709" v="85" actId="165"/>
+          <ac:spMkLst>
+            <pc:docMk/>
+            <pc:sldMk cId="1166562419" sldId="256"/>
+            <ac:spMk id="4" creationId="{8512B4CD-3319-CEDC-7A0B-C5AACCA9D294}"/>
+          </ac:spMkLst>
+        </pc:spChg>
+        <pc:spChg chg="mod">
+          <ac:chgData name="Ryan Lazaroo" userId="cb2ae2c7-790e-4888-82f8-d25990c1f4ef" providerId="ADAL" clId="{9A7FF2AE-D8CE-4471-B17D-762D8C18AF23}" dt="2023-03-13T10:12:52.709" v="85" actId="165"/>
+          <ac:spMkLst>
+            <pc:docMk/>
+            <pc:sldMk cId="1166562419" sldId="256"/>
+            <ac:spMk id="5" creationId="{72FA5E94-6E7B-0D17-793D-476C498F488A}"/>
+          </ac:spMkLst>
+        </pc:spChg>
+        <pc:spChg chg="mod">
+          <ac:chgData name="Ryan Lazaroo" userId="cb2ae2c7-790e-4888-82f8-d25990c1f4ef" providerId="ADAL" clId="{9A7FF2AE-D8CE-4471-B17D-762D8C18AF23}" dt="2023-03-13T10:12:52.709" v="85" actId="165"/>
+          <ac:spMkLst>
+            <pc:docMk/>
+            <pc:sldMk cId="1166562419" sldId="256"/>
+            <ac:spMk id="6" creationId="{49F7536A-10ED-4FFD-3CCF-D00F49958D3A}"/>
+          </ac:spMkLst>
+        </pc:spChg>
+        <pc:spChg chg="mod">
+          <ac:chgData name="Ryan Lazaroo" userId="cb2ae2c7-790e-4888-82f8-d25990c1f4ef" providerId="ADAL" clId="{9A7FF2AE-D8CE-4471-B17D-762D8C18AF23}" dt="2023-03-13T10:12:52.709" v="85" actId="165"/>
+          <ac:spMkLst>
+            <pc:docMk/>
+            <pc:sldMk cId="1166562419" sldId="256"/>
+            <ac:spMk id="7" creationId="{88914AED-A93A-F4EC-9A33-898FF60ED522}"/>
+          </ac:spMkLst>
+        </pc:spChg>
+        <pc:spChg chg="mod">
+          <ac:chgData name="Ryan Lazaroo" userId="cb2ae2c7-790e-4888-82f8-d25990c1f4ef" providerId="ADAL" clId="{9A7FF2AE-D8CE-4471-B17D-762D8C18AF23}" dt="2023-03-13T10:12:52.709" v="85" actId="165"/>
+          <ac:spMkLst>
+            <pc:docMk/>
+            <pc:sldMk cId="1166562419" sldId="256"/>
+            <ac:spMk id="8" creationId="{6D867827-CB30-76AA-52BB-20F386E7551E}"/>
+          </ac:spMkLst>
+        </pc:spChg>
+        <pc:spChg chg="mod">
+          <ac:chgData name="Ryan Lazaroo" userId="cb2ae2c7-790e-4888-82f8-d25990c1f4ef" providerId="ADAL" clId="{9A7FF2AE-D8CE-4471-B17D-762D8C18AF23}" dt="2023-03-13T10:12:52.709" v="85" actId="165"/>
+          <ac:spMkLst>
+            <pc:docMk/>
+            <pc:sldMk cId="1166562419" sldId="256"/>
+            <ac:spMk id="9" creationId="{55F278CB-94F1-10B7-55A9-51A16A223021}"/>
+          </ac:spMkLst>
+        </pc:spChg>
+        <pc:spChg chg="mod">
+          <ac:chgData name="Ryan Lazaroo" userId="cb2ae2c7-790e-4888-82f8-d25990c1f4ef" providerId="ADAL" clId="{9A7FF2AE-D8CE-4471-B17D-762D8C18AF23}" dt="2023-03-13T10:12:52.709" v="85" actId="165"/>
+          <ac:spMkLst>
+            <pc:docMk/>
+            <pc:sldMk cId="1166562419" sldId="256"/>
+            <ac:spMk id="10" creationId="{E12C26A2-BC9A-A5A3-BFD9-8588C324307A}"/>
+          </ac:spMkLst>
+        </pc:spChg>
+        <pc:spChg chg="mod">
+          <ac:chgData name="Ryan Lazaroo" userId="cb2ae2c7-790e-4888-82f8-d25990c1f4ef" providerId="ADAL" clId="{9A7FF2AE-D8CE-4471-B17D-762D8C18AF23}" dt="2023-03-13T10:12:52.709" v="85" actId="165"/>
+          <ac:spMkLst>
+            <pc:docMk/>
+            <pc:sldMk cId="1166562419" sldId="256"/>
+            <ac:spMk id="11" creationId="{21D03A22-9450-1817-7ADD-76AC68B7C324}"/>
+          </ac:spMkLst>
+        </pc:spChg>
+        <pc:spChg chg="mod">
+          <ac:chgData name="Ryan Lazaroo" userId="cb2ae2c7-790e-4888-82f8-d25990c1f4ef" providerId="ADAL" clId="{9A7FF2AE-D8CE-4471-B17D-762D8C18AF23}" dt="2023-03-13T10:12:52.709" v="85" actId="165"/>
+          <ac:spMkLst>
+            <pc:docMk/>
+            <pc:sldMk cId="1166562419" sldId="256"/>
+            <ac:spMk id="12" creationId="{7B2BC793-1169-8A00-7035-AA4AAD4AEF72}"/>
+          </ac:spMkLst>
+        </pc:spChg>
+        <pc:spChg chg="mod">
+          <ac:chgData name="Ryan Lazaroo" userId="cb2ae2c7-790e-4888-82f8-d25990c1f4ef" providerId="ADAL" clId="{9A7FF2AE-D8CE-4471-B17D-762D8C18AF23}" dt="2023-03-13T10:12:52.709" v="85" actId="165"/>
+          <ac:spMkLst>
+            <pc:docMk/>
+            <pc:sldMk cId="1166562419" sldId="256"/>
+            <ac:spMk id="14" creationId="{4D94221A-E061-EB68-4205-273BAF0931A3}"/>
+          </ac:spMkLst>
+        </pc:spChg>
+        <pc:spChg chg="mod">
+          <ac:chgData name="Ryan Lazaroo" userId="cb2ae2c7-790e-4888-82f8-d25990c1f4ef" providerId="ADAL" clId="{9A7FF2AE-D8CE-4471-B17D-762D8C18AF23}" dt="2023-03-13T10:12:52.709" v="85" actId="165"/>
+          <ac:spMkLst>
+            <pc:docMk/>
+            <pc:sldMk cId="1166562419" sldId="256"/>
+            <ac:spMk id="15" creationId="{5D2F8307-A422-1ED9-E5A1-571B12B65B10}"/>
+          </ac:spMkLst>
+        </pc:spChg>
+        <pc:spChg chg="mod">
+          <ac:chgData name="Ryan Lazaroo" userId="cb2ae2c7-790e-4888-82f8-d25990c1f4ef" providerId="ADAL" clId="{9A7FF2AE-D8CE-4471-B17D-762D8C18AF23}" dt="2023-03-13T10:12:52.709" v="85" actId="165"/>
+          <ac:spMkLst>
+            <pc:docMk/>
+            <pc:sldMk cId="1166562419" sldId="256"/>
+            <ac:spMk id="16" creationId="{9318305E-B0F5-EBF4-8F22-61115AE2F6D8}"/>
+          </ac:spMkLst>
+        </pc:spChg>
+        <pc:spChg chg="mod">
+          <ac:chgData name="Ryan Lazaroo" userId="cb2ae2c7-790e-4888-82f8-d25990c1f4ef" providerId="ADAL" clId="{9A7FF2AE-D8CE-4471-B17D-762D8C18AF23}" dt="2023-03-13T10:12:52.709" v="85" actId="165"/>
+          <ac:spMkLst>
+            <pc:docMk/>
+            <pc:sldMk cId="1166562419" sldId="256"/>
+            <ac:spMk id="20" creationId="{F8D8E057-FA3D-4CF2-EBE1-1882D7AEF87E}"/>
+          </ac:spMkLst>
+        </pc:spChg>
+        <pc:spChg chg="mod">
+          <ac:chgData name="Ryan Lazaroo" userId="cb2ae2c7-790e-4888-82f8-d25990c1f4ef" providerId="ADAL" clId="{9A7FF2AE-D8CE-4471-B17D-762D8C18AF23}" dt="2023-03-13T10:12:52.709" v="85" actId="165"/>
+          <ac:spMkLst>
+            <pc:docMk/>
+            <pc:sldMk cId="1166562419" sldId="256"/>
+            <ac:spMk id="21" creationId="{12818691-B2BA-FC92-A50C-324883664354}"/>
+          </ac:spMkLst>
+        </pc:spChg>
+        <pc:spChg chg="mod">
+          <ac:chgData name="Ryan Lazaroo" userId="cb2ae2c7-790e-4888-82f8-d25990c1f4ef" providerId="ADAL" clId="{9A7FF2AE-D8CE-4471-B17D-762D8C18AF23}" dt="2023-03-13T10:12:52.709" v="85" actId="165"/>
+          <ac:spMkLst>
+            <pc:docMk/>
+            <pc:sldMk cId="1166562419" sldId="256"/>
+            <ac:spMk id="22" creationId="{AC5D19A8-D9DF-32FC-16ED-E58FA85265FE}"/>
+          </ac:spMkLst>
+        </pc:spChg>
+        <pc:spChg chg="mod">
+          <ac:chgData name="Ryan Lazaroo" userId="cb2ae2c7-790e-4888-82f8-d25990c1f4ef" providerId="ADAL" clId="{9A7FF2AE-D8CE-4471-B17D-762D8C18AF23}" dt="2023-03-13T10:12:52.709" v="85" actId="165"/>
+          <ac:spMkLst>
+            <pc:docMk/>
+            <pc:sldMk cId="1166562419" sldId="256"/>
+            <ac:spMk id="23" creationId="{8E047157-8C7C-B614-9800-9BB2EABBAAB2}"/>
+          </ac:spMkLst>
+        </pc:spChg>
+        <pc:spChg chg="mod topLvl">
+          <ac:chgData name="Ryan Lazaroo" userId="cb2ae2c7-790e-4888-82f8-d25990c1f4ef" providerId="ADAL" clId="{9A7FF2AE-D8CE-4471-B17D-762D8C18AF23}" dt="2023-03-13T10:17:16.880" v="120" actId="164"/>
+          <ac:spMkLst>
+            <pc:docMk/>
+            <pc:sldMk cId="1166562419" sldId="256"/>
+            <ac:spMk id="26" creationId="{35136A66-D222-74E4-385C-1A08F2FD4FF6}"/>
+          </ac:spMkLst>
+        </pc:spChg>
+        <pc:spChg chg="mod topLvl">
+          <ac:chgData name="Ryan Lazaroo" userId="cb2ae2c7-790e-4888-82f8-d25990c1f4ef" providerId="ADAL" clId="{9A7FF2AE-D8CE-4471-B17D-762D8C18AF23}" dt="2023-03-13T10:17:16.880" v="120" actId="164"/>
+          <ac:spMkLst>
+            <pc:docMk/>
+            <pc:sldMk cId="1166562419" sldId="256"/>
+            <ac:spMk id="27" creationId="{48A6C2A8-3BA7-CA2C-760D-1BB3B94EE604}"/>
+          </ac:spMkLst>
+        </pc:spChg>
+        <pc:spChg chg="mod topLvl">
+          <ac:chgData name="Ryan Lazaroo" userId="cb2ae2c7-790e-4888-82f8-d25990c1f4ef" providerId="ADAL" clId="{9A7FF2AE-D8CE-4471-B17D-762D8C18AF23}" dt="2023-03-13T10:17:16.880" v="120" actId="164"/>
+          <ac:spMkLst>
+            <pc:docMk/>
+            <pc:sldMk cId="1166562419" sldId="256"/>
+            <ac:spMk id="28" creationId="{D963C3B0-C715-43DB-99D3-4C2F7FEFF5C3}"/>
+          </ac:spMkLst>
+        </pc:spChg>
+        <pc:spChg chg="mod topLvl">
+          <ac:chgData name="Ryan Lazaroo" userId="cb2ae2c7-790e-4888-82f8-d25990c1f4ef" providerId="ADAL" clId="{9A7FF2AE-D8CE-4471-B17D-762D8C18AF23}" dt="2023-03-13T10:17:16.880" v="120" actId="164"/>
+          <ac:spMkLst>
+            <pc:docMk/>
+            <pc:sldMk cId="1166562419" sldId="256"/>
+            <ac:spMk id="31" creationId="{8C739207-C211-AE9B-555D-559C6381B676}"/>
+          </ac:spMkLst>
+        </pc:spChg>
+        <pc:spChg chg="mod topLvl">
+          <ac:chgData name="Ryan Lazaroo" userId="cb2ae2c7-790e-4888-82f8-d25990c1f4ef" providerId="ADAL" clId="{9A7FF2AE-D8CE-4471-B17D-762D8C18AF23}" dt="2023-03-13T10:17:16.880" v="120" actId="164"/>
+          <ac:spMkLst>
+            <pc:docMk/>
+            <pc:sldMk cId="1166562419" sldId="256"/>
+            <ac:spMk id="33" creationId="{7FFAC754-CD24-D2E6-06E6-455EA6837A60}"/>
+          </ac:spMkLst>
+        </pc:spChg>
+        <pc:spChg chg="mod topLvl">
+          <ac:chgData name="Ryan Lazaroo" userId="cb2ae2c7-790e-4888-82f8-d25990c1f4ef" providerId="ADAL" clId="{9A7FF2AE-D8CE-4471-B17D-762D8C18AF23}" dt="2023-03-13T10:17:16.880" v="120" actId="164"/>
+          <ac:spMkLst>
+            <pc:docMk/>
+            <pc:sldMk cId="1166562419" sldId="256"/>
+            <ac:spMk id="35" creationId="{8CBBAB62-45FB-A2B6-10A0-CC2AD6C71691}"/>
+          </ac:spMkLst>
+        </pc:spChg>
+        <pc:spChg chg="mod topLvl">
+          <ac:chgData name="Ryan Lazaroo" userId="cb2ae2c7-790e-4888-82f8-d25990c1f4ef" providerId="ADAL" clId="{9A7FF2AE-D8CE-4471-B17D-762D8C18AF23}" dt="2023-03-13T10:17:16.880" v="120" actId="164"/>
+          <ac:spMkLst>
+            <pc:docMk/>
+            <pc:sldMk cId="1166562419" sldId="256"/>
+            <ac:spMk id="41" creationId="{96AAE20F-742A-6ACC-177E-F2EDC317D50F}"/>
+          </ac:spMkLst>
+        </pc:spChg>
+        <pc:spChg chg="mod topLvl">
+          <ac:chgData name="Ryan Lazaroo" userId="cb2ae2c7-790e-4888-82f8-d25990c1f4ef" providerId="ADAL" clId="{9A7FF2AE-D8CE-4471-B17D-762D8C18AF23}" dt="2023-03-13T10:17:16.880" v="120" actId="164"/>
+          <ac:spMkLst>
+            <pc:docMk/>
+            <pc:sldMk cId="1166562419" sldId="256"/>
+            <ac:spMk id="43" creationId="{8256158F-2E5A-8D9C-8EB7-D578638577C2}"/>
+          </ac:spMkLst>
+        </pc:spChg>
+        <pc:spChg chg="mod topLvl">
+          <ac:chgData name="Ryan Lazaroo" userId="cb2ae2c7-790e-4888-82f8-d25990c1f4ef" providerId="ADAL" clId="{9A7FF2AE-D8CE-4471-B17D-762D8C18AF23}" dt="2023-03-13T10:17:16.880" v="120" actId="164"/>
+          <ac:spMkLst>
+            <pc:docMk/>
+            <pc:sldMk cId="1166562419" sldId="256"/>
+            <ac:spMk id="50" creationId="{048789E1-8883-11A0-E2DF-B35288B18166}"/>
+          </ac:spMkLst>
+        </pc:spChg>
+        <pc:spChg chg="mod topLvl">
+          <ac:chgData name="Ryan Lazaroo" userId="cb2ae2c7-790e-4888-82f8-d25990c1f4ef" providerId="ADAL" clId="{9A7FF2AE-D8CE-4471-B17D-762D8C18AF23}" dt="2023-03-13T10:17:16.880" v="120" actId="164"/>
+          <ac:spMkLst>
+            <pc:docMk/>
+            <pc:sldMk cId="1166562419" sldId="256"/>
+            <ac:spMk id="51" creationId="{F0E1A934-0ACF-CE7E-A3FD-3B745B74115B}"/>
+          </ac:spMkLst>
+        </pc:spChg>
+        <pc:grpChg chg="mod topLvl">
+          <ac:chgData name="Ryan Lazaroo" userId="cb2ae2c7-790e-4888-82f8-d25990c1f4ef" providerId="ADAL" clId="{9A7FF2AE-D8CE-4471-B17D-762D8C18AF23}" dt="2023-03-13T10:17:16.880" v="120" actId="164"/>
+          <ac:grpSpMkLst>
+            <pc:docMk/>
+            <pc:sldMk cId="1166562419" sldId="256"/>
+            <ac:grpSpMk id="17" creationId="{17885EA5-C011-99A2-CE1E-0136F3C6B14C}"/>
+          </ac:grpSpMkLst>
+        </pc:grpChg>
+        <pc:grpChg chg="mod topLvl">
+          <ac:chgData name="Ryan Lazaroo" userId="cb2ae2c7-790e-4888-82f8-d25990c1f4ef" providerId="ADAL" clId="{9A7FF2AE-D8CE-4471-B17D-762D8C18AF23}" dt="2023-03-13T10:17:16.880" v="120" actId="164"/>
+          <ac:grpSpMkLst>
+            <pc:docMk/>
+            <pc:sldMk cId="1166562419" sldId="256"/>
+            <ac:grpSpMk id="18" creationId="{373F4CA5-1D75-F42E-3A3E-E6850024044E}"/>
+          </ac:grpSpMkLst>
+        </pc:grpChg>
+        <pc:grpChg chg="mod topLvl">
+          <ac:chgData name="Ryan Lazaroo" userId="cb2ae2c7-790e-4888-82f8-d25990c1f4ef" providerId="ADAL" clId="{9A7FF2AE-D8CE-4471-B17D-762D8C18AF23}" dt="2023-03-13T10:17:16.880" v="120" actId="164"/>
+          <ac:grpSpMkLst>
+            <pc:docMk/>
+            <pc:sldMk cId="1166562419" sldId="256"/>
+            <ac:grpSpMk id="25" creationId="{22D006C8-3D62-595C-DFF3-3B3C482814A5}"/>
+          </ac:grpSpMkLst>
+        </pc:grpChg>
+        <pc:grpChg chg="add del mod">
+          <ac:chgData name="Ryan Lazaroo" userId="cb2ae2c7-790e-4888-82f8-d25990c1f4ef" providerId="ADAL" clId="{9A7FF2AE-D8CE-4471-B17D-762D8C18AF23}" dt="2023-03-13T10:11:07.069" v="69" actId="165"/>
+          <ac:grpSpMkLst>
+            <pc:docMk/>
+            <pc:sldMk cId="1166562419" sldId="256"/>
+            <ac:grpSpMk id="42" creationId="{E1872EEA-6480-E08B-0B1B-B1F71EE7ACA6}"/>
+          </ac:grpSpMkLst>
+        </pc:grpChg>
+        <pc:grpChg chg="add del mod">
+          <ac:chgData name="Ryan Lazaroo" userId="cb2ae2c7-790e-4888-82f8-d25990c1f4ef" providerId="ADAL" clId="{9A7FF2AE-D8CE-4471-B17D-762D8C18AF23}" dt="2023-03-13T10:12:52.709" v="85" actId="165"/>
+          <ac:grpSpMkLst>
+            <pc:docMk/>
+            <pc:sldMk cId="1166562419" sldId="256"/>
+            <ac:grpSpMk id="45" creationId="{21A69A0C-0FFA-A540-FD67-8282B084BBF2}"/>
+          </ac:grpSpMkLst>
+        </pc:grpChg>
+        <pc:grpChg chg="add mod">
+          <ac:chgData name="Ryan Lazaroo" userId="cb2ae2c7-790e-4888-82f8-d25990c1f4ef" providerId="ADAL" clId="{9A7FF2AE-D8CE-4471-B17D-762D8C18AF23}" dt="2023-03-13T10:17:16.880" v="120" actId="164"/>
+          <ac:grpSpMkLst>
+            <pc:docMk/>
+            <pc:sldMk cId="1166562419" sldId="256"/>
+            <ac:grpSpMk id="58" creationId="{930251F3-02B5-BB81-C8C5-B0EF90669368}"/>
+          </ac:grpSpMkLst>
+        </pc:grpChg>
+        <pc:cxnChg chg="add del mod topLvl">
+          <ac:chgData name="Ryan Lazaroo" userId="cb2ae2c7-790e-4888-82f8-d25990c1f4ef" providerId="ADAL" clId="{9A7FF2AE-D8CE-4471-B17D-762D8C18AF23}" dt="2023-03-13T10:12:48.146" v="82" actId="478"/>
+          <ac:cxnSpMkLst>
+            <pc:docMk/>
+            <pc:sldMk cId="1166562419" sldId="256"/>
+            <ac:cxnSpMk id="2" creationId="{6BF38561-78CC-945D-1BCF-9E6A222F3445}"/>
+          </ac:cxnSpMkLst>
+        </pc:cxnChg>
+        <pc:cxnChg chg="mod topLvl">
+          <ac:chgData name="Ryan Lazaroo" userId="cb2ae2c7-790e-4888-82f8-d25990c1f4ef" providerId="ADAL" clId="{9A7FF2AE-D8CE-4471-B17D-762D8C18AF23}" dt="2023-03-13T10:17:16.880" v="120" actId="164"/>
+          <ac:cxnSpMkLst>
+            <pc:docMk/>
+            <pc:sldMk cId="1166562419" sldId="256"/>
+            <ac:cxnSpMk id="3" creationId="{D928133D-42AE-9FB4-CDA1-A7A1E6F821EB}"/>
+          </ac:cxnSpMkLst>
+        </pc:cxnChg>
+        <pc:cxnChg chg="mod topLvl">
+          <ac:chgData name="Ryan Lazaroo" userId="cb2ae2c7-790e-4888-82f8-d25990c1f4ef" providerId="ADAL" clId="{9A7FF2AE-D8CE-4471-B17D-762D8C18AF23}" dt="2023-03-13T10:17:16.880" v="120" actId="164"/>
+          <ac:cxnSpMkLst>
+            <pc:docMk/>
+            <pc:sldMk cId="1166562419" sldId="256"/>
+            <ac:cxnSpMk id="13" creationId="{1D049B69-9B60-802C-B8EA-9C6ED39C9069}"/>
+          </ac:cxnSpMkLst>
+        </pc:cxnChg>
+        <pc:cxnChg chg="mod topLvl">
+          <ac:chgData name="Ryan Lazaroo" userId="cb2ae2c7-790e-4888-82f8-d25990c1f4ef" providerId="ADAL" clId="{9A7FF2AE-D8CE-4471-B17D-762D8C18AF23}" dt="2023-03-13T10:17:16.880" v="120" actId="164"/>
+          <ac:cxnSpMkLst>
+            <pc:docMk/>
+            <pc:sldMk cId="1166562419" sldId="256"/>
+            <ac:cxnSpMk id="19" creationId="{57C6D22B-0648-E58E-596A-76BACAC7D740}"/>
+          </ac:cxnSpMkLst>
+        </pc:cxnChg>
+        <pc:cxnChg chg="mod topLvl">
+          <ac:chgData name="Ryan Lazaroo" userId="cb2ae2c7-790e-4888-82f8-d25990c1f4ef" providerId="ADAL" clId="{9A7FF2AE-D8CE-4471-B17D-762D8C18AF23}" dt="2023-03-13T10:17:16.880" v="120" actId="164"/>
+          <ac:cxnSpMkLst>
+            <pc:docMk/>
+            <pc:sldMk cId="1166562419" sldId="256"/>
+            <ac:cxnSpMk id="24" creationId="{F0A71FA8-A524-04EB-1028-C46190E16AEC}"/>
+          </ac:cxnSpMkLst>
+        </pc:cxnChg>
+        <pc:cxnChg chg="add del mod topLvl">
+          <ac:chgData name="Ryan Lazaroo" userId="cb2ae2c7-790e-4888-82f8-d25990c1f4ef" providerId="ADAL" clId="{9A7FF2AE-D8CE-4471-B17D-762D8C18AF23}" dt="2023-03-13T10:12:56.508" v="86" actId="478"/>
+          <ac:cxnSpMkLst>
+            <pc:docMk/>
+            <pc:sldMk cId="1166562419" sldId="256"/>
+            <ac:cxnSpMk id="30" creationId="{83C5AE62-2FD1-F168-5A35-2AE4F933CF8A}"/>
+          </ac:cxnSpMkLst>
+        </pc:cxnChg>
+        <pc:cxnChg chg="mod topLvl">
+          <ac:chgData name="Ryan Lazaroo" userId="cb2ae2c7-790e-4888-82f8-d25990c1f4ef" providerId="ADAL" clId="{9A7FF2AE-D8CE-4471-B17D-762D8C18AF23}" dt="2023-03-13T10:17:16.880" v="120" actId="164"/>
+          <ac:cxnSpMkLst>
+            <pc:docMk/>
+            <pc:sldMk cId="1166562419" sldId="256"/>
+            <ac:cxnSpMk id="32" creationId="{9CDE6EE8-DE2F-C84C-92BC-667F7E3D17E3}"/>
+          </ac:cxnSpMkLst>
+        </pc:cxnChg>
+        <pc:cxnChg chg="mod topLvl">
+          <ac:chgData name="Ryan Lazaroo" userId="cb2ae2c7-790e-4888-82f8-d25990c1f4ef" providerId="ADAL" clId="{9A7FF2AE-D8CE-4471-B17D-762D8C18AF23}" dt="2023-03-13T10:17:16.880" v="120" actId="164"/>
+          <ac:cxnSpMkLst>
+            <pc:docMk/>
+            <pc:sldMk cId="1166562419" sldId="256"/>
+            <ac:cxnSpMk id="34" creationId="{BF9583B9-93A3-08D3-44AF-6D23AE109D59}"/>
+          </ac:cxnSpMkLst>
+        </pc:cxnChg>
+        <pc:cxnChg chg="mod topLvl">
+          <ac:chgData name="Ryan Lazaroo" userId="cb2ae2c7-790e-4888-82f8-d25990c1f4ef" providerId="ADAL" clId="{9A7FF2AE-D8CE-4471-B17D-762D8C18AF23}" dt="2023-03-13T10:17:16.880" v="120" actId="164"/>
+          <ac:cxnSpMkLst>
+            <pc:docMk/>
+            <pc:sldMk cId="1166562419" sldId="256"/>
+            <ac:cxnSpMk id="36" creationId="{F3FD6948-EE0A-6E0A-E383-1B808F3CE006}"/>
+          </ac:cxnSpMkLst>
+        </pc:cxnChg>
+        <pc:cxnChg chg="mod topLvl">
+          <ac:chgData name="Ryan Lazaroo" userId="cb2ae2c7-790e-4888-82f8-d25990c1f4ef" providerId="ADAL" clId="{9A7FF2AE-D8CE-4471-B17D-762D8C18AF23}" dt="2023-03-13T10:17:16.880" v="120" actId="164"/>
+          <ac:cxnSpMkLst>
+            <pc:docMk/>
+            <pc:sldMk cId="1166562419" sldId="256"/>
+            <ac:cxnSpMk id="38" creationId="{95E25431-33C8-D51F-EBCD-07799EA60D5A}"/>
+          </ac:cxnSpMkLst>
+        </pc:cxnChg>
+        <pc:cxnChg chg="mod topLvl">
+          <ac:chgData name="Ryan Lazaroo" userId="cb2ae2c7-790e-4888-82f8-d25990c1f4ef" providerId="ADAL" clId="{9A7FF2AE-D8CE-4471-B17D-762D8C18AF23}" dt="2023-03-13T10:17:16.880" v="120" actId="164"/>
+          <ac:cxnSpMkLst>
+            <pc:docMk/>
+            <pc:sldMk cId="1166562419" sldId="256"/>
+            <ac:cxnSpMk id="39" creationId="{CBD3F975-E448-8ABA-00C9-777D5C10FC6B}"/>
+          </ac:cxnSpMkLst>
+        </pc:cxnChg>
+        <pc:cxnChg chg="mod topLvl">
+          <ac:chgData name="Ryan Lazaroo" userId="cb2ae2c7-790e-4888-82f8-d25990c1f4ef" providerId="ADAL" clId="{9A7FF2AE-D8CE-4471-B17D-762D8C18AF23}" dt="2023-03-13T10:17:16.880" v="120" actId="164"/>
+          <ac:cxnSpMkLst>
+            <pc:docMk/>
+            <pc:sldMk cId="1166562419" sldId="256"/>
+            <ac:cxnSpMk id="44" creationId="{8E427B8A-A09C-FD42-A235-C307855D719F}"/>
+          </ac:cxnSpMkLst>
+        </pc:cxnChg>
+        <pc:cxnChg chg="add mod">
+          <ac:chgData name="Ryan Lazaroo" userId="cb2ae2c7-790e-4888-82f8-d25990c1f4ef" providerId="ADAL" clId="{9A7FF2AE-D8CE-4471-B17D-762D8C18AF23}" dt="2023-03-13T10:17:16.880" v="120" actId="164"/>
+          <ac:cxnSpMkLst>
+            <pc:docMk/>
+            <pc:sldMk cId="1166562419" sldId="256"/>
+            <ac:cxnSpMk id="47" creationId="{F15D74B2-F4AE-E975-5DFC-ECF4E24A1D37}"/>
+          </ac:cxnSpMkLst>
+        </pc:cxnChg>
+        <pc:cxnChg chg="add mod">
+          <ac:chgData name="Ryan Lazaroo" userId="cb2ae2c7-790e-4888-82f8-d25990c1f4ef" providerId="ADAL" clId="{9A7FF2AE-D8CE-4471-B17D-762D8C18AF23}" dt="2023-03-13T10:17:16.880" v="120" actId="164"/>
+          <ac:cxnSpMkLst>
+            <pc:docMk/>
+            <pc:sldMk cId="1166562419" sldId="256"/>
+            <ac:cxnSpMk id="55" creationId="{B41F6BF2-0A6A-DD4F-177A-E7E8E95B43BF}"/>
+          </ac:cxnSpMkLst>
+        </pc:cxnChg>
+      </pc:sldChg>
+      <pc:sldChg chg="modSp mod">
+        <pc:chgData name="Ryan Lazaroo" userId="cb2ae2c7-790e-4888-82f8-d25990c1f4ef" providerId="ADAL" clId="{9A7FF2AE-D8CE-4471-B17D-762D8C18AF23}" dt="2023-03-14T02:50:24.320" v="846" actId="14100"/>
+        <pc:sldMkLst>
+          <pc:docMk/>
+          <pc:sldMk cId="922882978" sldId="257"/>
+        </pc:sldMkLst>
+        <pc:picChg chg="mod">
+          <ac:chgData name="Ryan Lazaroo" userId="cb2ae2c7-790e-4888-82f8-d25990c1f4ef" providerId="ADAL" clId="{9A7FF2AE-D8CE-4471-B17D-762D8C18AF23}" dt="2023-03-14T02:50:24.320" v="846" actId="14100"/>
+          <ac:picMkLst>
+            <pc:docMk/>
+            <pc:sldMk cId="922882978" sldId="257"/>
+            <ac:picMk id="10" creationId="{E91CD75D-6B5C-499D-A128-C32666306EE8}"/>
+          </ac:picMkLst>
+        </pc:picChg>
+        <pc:picChg chg="mod">
+          <ac:chgData name="Ryan Lazaroo" userId="cb2ae2c7-790e-4888-82f8-d25990c1f4ef" providerId="ADAL" clId="{9A7FF2AE-D8CE-4471-B17D-762D8C18AF23}" dt="2023-03-14T02:41:46.171" v="844" actId="14100"/>
+          <ac:picMkLst>
+            <pc:docMk/>
+            <pc:sldMk cId="922882978" sldId="257"/>
+            <ac:picMk id="13" creationId="{5600B291-6607-446A-8D89-CA67F2B171E9}"/>
+          </ac:picMkLst>
+        </pc:picChg>
+      </pc:sldChg>
+      <pc:sldChg chg="addSp delSp modSp new mod">
+        <pc:chgData name="Ryan Lazaroo" userId="cb2ae2c7-790e-4888-82f8-d25990c1f4ef" providerId="ADAL" clId="{9A7FF2AE-D8CE-4471-B17D-762D8C18AF23}" dt="2023-03-14T03:33:55.627" v="1124" actId="478"/>
+        <pc:sldMkLst>
+          <pc:docMk/>
+          <pc:sldMk cId="4227149872" sldId="258"/>
+        </pc:sldMkLst>
+        <pc:spChg chg="del">
+          <ac:chgData name="Ryan Lazaroo" userId="cb2ae2c7-790e-4888-82f8-d25990c1f4ef" providerId="ADAL" clId="{9A7FF2AE-D8CE-4471-B17D-762D8C18AF23}" dt="2023-03-13T04:51:24.510" v="7" actId="478"/>
+          <ac:spMkLst>
+            <pc:docMk/>
+            <pc:sldMk cId="4227149872" sldId="258"/>
+            <ac:spMk id="2" creationId="{DB92F42B-419D-4544-747C-3AA3131F7844}"/>
+          </ac:spMkLst>
+        </pc:spChg>
+        <pc:spChg chg="del">
+          <ac:chgData name="Ryan Lazaroo" userId="cb2ae2c7-790e-4888-82f8-d25990c1f4ef" providerId="ADAL" clId="{9A7FF2AE-D8CE-4471-B17D-762D8C18AF23}" dt="2023-03-13T04:51:21.413" v="5" actId="478"/>
+          <ac:spMkLst>
+            <pc:docMk/>
+            <pc:sldMk cId="4227149872" sldId="258"/>
+            <ac:spMk id="3" creationId="{6B6D15D0-3E3D-52A9-2A06-F0A9740A4979}"/>
+          </ac:spMkLst>
+        </pc:spChg>
+        <pc:spChg chg="add mod">
+          <ac:chgData name="Ryan Lazaroo" userId="cb2ae2c7-790e-4888-82f8-d25990c1f4ef" providerId="ADAL" clId="{9A7FF2AE-D8CE-4471-B17D-762D8C18AF23}" dt="2023-03-14T03:11:17.165" v="1072" actId="164"/>
+          <ac:spMkLst>
+            <pc:docMk/>
+            <pc:sldMk cId="4227149872" sldId="258"/>
+            <ac:spMk id="5" creationId="{7559F4F3-EA63-4CDF-DF67-41B454ECDEDD}"/>
+          </ac:spMkLst>
+        </pc:spChg>
+        <pc:spChg chg="add mod">
+          <ac:chgData name="Ryan Lazaroo" userId="cb2ae2c7-790e-4888-82f8-d25990c1f4ef" providerId="ADAL" clId="{9A7FF2AE-D8CE-4471-B17D-762D8C18AF23}" dt="2023-03-14T03:11:17.165" v="1072" actId="164"/>
+          <ac:spMkLst>
+            <pc:docMk/>
+            <pc:sldMk cId="4227149872" sldId="258"/>
+            <ac:spMk id="6" creationId="{98427D13-0F37-9420-FBF9-F9AFEDC5FBC1}"/>
+          </ac:spMkLst>
+        </pc:spChg>
+        <pc:spChg chg="add del mod">
+          <ac:chgData name="Ryan Lazaroo" userId="cb2ae2c7-790e-4888-82f8-d25990c1f4ef" providerId="ADAL" clId="{9A7FF2AE-D8CE-4471-B17D-762D8C18AF23}" dt="2023-03-14T01:56:15.769" v="500" actId="478"/>
+          <ac:spMkLst>
+            <pc:docMk/>
+            <pc:sldMk cId="4227149872" sldId="258"/>
+            <ac:spMk id="7" creationId="{4A501DB5-3B2F-6DB0-6FC6-779E40BCCBE2}"/>
+          </ac:spMkLst>
+        </pc:spChg>
+        <pc:spChg chg="add mod">
+          <ac:chgData name="Ryan Lazaroo" userId="cb2ae2c7-790e-4888-82f8-d25990c1f4ef" providerId="ADAL" clId="{9A7FF2AE-D8CE-4471-B17D-762D8C18AF23}" dt="2023-03-14T03:11:17.165" v="1072" actId="164"/>
+          <ac:spMkLst>
+            <pc:docMk/>
+            <pc:sldMk cId="4227149872" sldId="258"/>
+            <ac:spMk id="9" creationId="{C814E78C-43A4-5704-F428-16D192C617C5}"/>
+          </ac:spMkLst>
+        </pc:spChg>
+        <pc:spChg chg="add del mod">
+          <ac:chgData name="Ryan Lazaroo" userId="cb2ae2c7-790e-4888-82f8-d25990c1f4ef" providerId="ADAL" clId="{9A7FF2AE-D8CE-4471-B17D-762D8C18AF23}" dt="2023-03-14T01:52:33.521" v="395" actId="478"/>
+          <ac:spMkLst>
+            <pc:docMk/>
+            <pc:sldMk cId="4227149872" sldId="258"/>
+            <ac:spMk id="10" creationId="{596BB520-A4A5-BCDB-0C2C-01CFDC6A32D2}"/>
+          </ac:spMkLst>
+        </pc:spChg>
+        <pc:spChg chg="add del mod">
+          <ac:chgData name="Ryan Lazaroo" userId="cb2ae2c7-790e-4888-82f8-d25990c1f4ef" providerId="ADAL" clId="{9A7FF2AE-D8CE-4471-B17D-762D8C18AF23}" dt="2023-03-13T10:32:22.078" v="265" actId="478"/>
+          <ac:spMkLst>
+            <pc:docMk/>
+            <pc:sldMk cId="4227149872" sldId="258"/>
+            <ac:spMk id="10" creationId="{AC871207-EE11-78F1-1D1B-3DBF2ECA2784}"/>
+          </ac:spMkLst>
+        </pc:spChg>
+        <pc:spChg chg="add mod">
+          <ac:chgData name="Ryan Lazaroo" userId="cb2ae2c7-790e-4888-82f8-d25990c1f4ef" providerId="ADAL" clId="{9A7FF2AE-D8CE-4471-B17D-762D8C18AF23}" dt="2023-03-14T03:11:17.165" v="1072" actId="164"/>
+          <ac:spMkLst>
+            <pc:docMk/>
+            <pc:sldMk cId="4227149872" sldId="258"/>
+            <ac:spMk id="11" creationId="{74BB84B6-4A85-0547-7356-6EFAFA089C2E}"/>
+          </ac:spMkLst>
+        </pc:spChg>
+        <pc:spChg chg="add mod">
+          <ac:chgData name="Ryan Lazaroo" userId="cb2ae2c7-790e-4888-82f8-d25990c1f4ef" providerId="ADAL" clId="{9A7FF2AE-D8CE-4471-B17D-762D8C18AF23}" dt="2023-03-14T03:11:17.165" v="1072" actId="164"/>
+          <ac:spMkLst>
+            <pc:docMk/>
+            <pc:sldMk cId="4227149872" sldId="258"/>
+            <ac:spMk id="12" creationId="{1D8C6CC3-5514-29E5-B3EA-66EB1124FAA9}"/>
+          </ac:spMkLst>
+        </pc:spChg>
+        <pc:spChg chg="add del mod">
+          <ac:chgData name="Ryan Lazaroo" userId="cb2ae2c7-790e-4888-82f8-d25990c1f4ef" providerId="ADAL" clId="{9A7FF2AE-D8CE-4471-B17D-762D8C18AF23}" dt="2023-03-14T01:56:24.905" v="504" actId="478"/>
+          <ac:spMkLst>
+            <pc:docMk/>
+            <pc:sldMk cId="4227149872" sldId="258"/>
+            <ac:spMk id="13" creationId="{2DFD19CD-9B8F-5698-0CB5-E9BEAB8A3A9B}"/>
+          </ac:spMkLst>
+        </pc:spChg>
+        <pc:spChg chg="add del mod">
+          <ac:chgData name="Ryan Lazaroo" userId="cb2ae2c7-790e-4888-82f8-d25990c1f4ef" providerId="ADAL" clId="{9A7FF2AE-D8CE-4471-B17D-762D8C18AF23}" dt="2023-03-14T01:56:25.584" v="505" actId="478"/>
+          <ac:spMkLst>
+            <pc:docMk/>
+            <pc:sldMk cId="4227149872" sldId="258"/>
+            <ac:spMk id="14" creationId="{D1390664-1637-C3FD-1636-07085EEDA84A}"/>
+          </ac:spMkLst>
+        </pc:spChg>
+        <pc:spChg chg="add del mod">
+          <ac:chgData name="Ryan Lazaroo" userId="cb2ae2c7-790e-4888-82f8-d25990c1f4ef" providerId="ADAL" clId="{9A7FF2AE-D8CE-4471-B17D-762D8C18AF23}" dt="2023-03-14T01:56:26.392" v="506" actId="478"/>
+          <ac:spMkLst>
+            <pc:docMk/>
+            <pc:sldMk cId="4227149872" sldId="258"/>
+            <ac:spMk id="15" creationId="{1E4088CA-16B1-3169-50AE-0104260A31F6}"/>
+          </ac:spMkLst>
+        </pc:spChg>
+        <pc:spChg chg="add mod">
+          <ac:chgData name="Ryan Lazaroo" userId="cb2ae2c7-790e-4888-82f8-d25990c1f4ef" providerId="ADAL" clId="{9A7FF2AE-D8CE-4471-B17D-762D8C18AF23}" dt="2023-03-14T03:31:22.624" v="1076" actId="20577"/>
+          <ac:spMkLst>
+            <pc:docMk/>
+            <pc:sldMk cId="4227149872" sldId="258"/>
+            <ac:spMk id="16" creationId="{DB55CAE4-A947-1A0E-342B-82D106B54C25}"/>
+          </ac:spMkLst>
+        </pc:spChg>
+        <pc:spChg chg="add mod">
+          <ac:chgData name="Ryan Lazaroo" userId="cb2ae2c7-790e-4888-82f8-d25990c1f4ef" providerId="ADAL" clId="{9A7FF2AE-D8CE-4471-B17D-762D8C18AF23}" dt="2023-03-14T03:11:17.165" v="1072" actId="164"/>
+          <ac:spMkLst>
+            <pc:docMk/>
+            <pc:sldMk cId="4227149872" sldId="258"/>
+            <ac:spMk id="17" creationId="{FB23445A-2C5D-D177-A969-B461878C9950}"/>
+          </ac:spMkLst>
+        </pc:spChg>
+        <pc:spChg chg="add mod">
+          <ac:chgData name="Ryan Lazaroo" userId="cb2ae2c7-790e-4888-82f8-d25990c1f4ef" providerId="ADAL" clId="{9A7FF2AE-D8CE-4471-B17D-762D8C18AF23}" dt="2023-03-14T03:11:17.165" v="1072" actId="164"/>
+          <ac:spMkLst>
+            <pc:docMk/>
+            <pc:sldMk cId="4227149872" sldId="258"/>
+            <ac:spMk id="18" creationId="{88FBC611-2137-22F3-338B-652B9879A843}"/>
+          </ac:spMkLst>
+        </pc:spChg>
+        <pc:spChg chg="add mod">
+          <ac:chgData name="Ryan Lazaroo" userId="cb2ae2c7-790e-4888-82f8-d25990c1f4ef" providerId="ADAL" clId="{9A7FF2AE-D8CE-4471-B17D-762D8C18AF23}" dt="2023-03-14T03:11:17.165" v="1072" actId="164"/>
+          <ac:spMkLst>
+            <pc:docMk/>
+            <pc:sldMk cId="4227149872" sldId="258"/>
+            <ac:spMk id="19" creationId="{C616A06C-A6DF-8FB3-CE94-4753AFE9AE0A}"/>
+          </ac:spMkLst>
+        </pc:spChg>
+        <pc:spChg chg="add mod">
+          <ac:chgData name="Ryan Lazaroo" userId="cb2ae2c7-790e-4888-82f8-d25990c1f4ef" providerId="ADAL" clId="{9A7FF2AE-D8CE-4471-B17D-762D8C18AF23}" dt="2023-03-14T03:11:17.165" v="1072" actId="164"/>
+          <ac:spMkLst>
+            <pc:docMk/>
+            <pc:sldMk cId="4227149872" sldId="258"/>
+            <ac:spMk id="20" creationId="{7C336164-4D57-6D2F-8E96-7E72DA33D5AF}"/>
+          </ac:spMkLst>
+        </pc:spChg>
+        <pc:spChg chg="add mod">
+          <ac:chgData name="Ryan Lazaroo" userId="cb2ae2c7-790e-4888-82f8-d25990c1f4ef" providerId="ADAL" clId="{9A7FF2AE-D8CE-4471-B17D-762D8C18AF23}" dt="2023-03-14T03:11:17.165" v="1072" actId="164"/>
+          <ac:spMkLst>
+            <pc:docMk/>
+            <pc:sldMk cId="4227149872" sldId="258"/>
+            <ac:spMk id="22" creationId="{D831FC78-13FD-E4D4-5BFF-F5F13236E5E8}"/>
+          </ac:spMkLst>
+        </pc:spChg>
+        <pc:spChg chg="add mod">
+          <ac:chgData name="Ryan Lazaroo" userId="cb2ae2c7-790e-4888-82f8-d25990c1f4ef" providerId="ADAL" clId="{9A7FF2AE-D8CE-4471-B17D-762D8C18AF23}" dt="2023-03-14T03:11:17.165" v="1072" actId="164"/>
+          <ac:spMkLst>
+            <pc:docMk/>
+            <pc:sldMk cId="4227149872" sldId="258"/>
+            <ac:spMk id="23" creationId="{B793033C-5653-225E-EA05-B1A65EC431E6}"/>
+          </ac:spMkLst>
+        </pc:spChg>
+        <pc:spChg chg="add mod">
+          <ac:chgData name="Ryan Lazaroo" userId="cb2ae2c7-790e-4888-82f8-d25990c1f4ef" providerId="ADAL" clId="{9A7FF2AE-D8CE-4471-B17D-762D8C18AF23}" dt="2023-03-14T03:11:17.165" v="1072" actId="164"/>
+          <ac:spMkLst>
+            <pc:docMk/>
+            <pc:sldMk cId="4227149872" sldId="258"/>
+            <ac:spMk id="24" creationId="{12103DFE-0441-8E0A-1168-73469EC7F88B}"/>
+          </ac:spMkLst>
+        </pc:spChg>
+        <pc:spChg chg="mod">
+          <ac:chgData name="Ryan Lazaroo" userId="cb2ae2c7-790e-4888-82f8-d25990c1f4ef" providerId="ADAL" clId="{9A7FF2AE-D8CE-4471-B17D-762D8C18AF23}" dt="2023-03-14T03:08:39.514" v="964"/>
+          <ac:spMkLst>
+            <pc:docMk/>
+            <pc:sldMk cId="4227149872" sldId="258"/>
+            <ac:spMk id="31" creationId="{988A466D-EA9E-AEF5-669A-2D626A4885D5}"/>
+          </ac:spMkLst>
+        </pc:spChg>
+        <pc:spChg chg="mod">
+          <ac:chgData name="Ryan Lazaroo" userId="cb2ae2c7-790e-4888-82f8-d25990c1f4ef" providerId="ADAL" clId="{9A7FF2AE-D8CE-4471-B17D-762D8C18AF23}" dt="2023-03-14T03:08:39.514" v="964"/>
+          <ac:spMkLst>
+            <pc:docMk/>
+            <pc:sldMk cId="4227149872" sldId="258"/>
+            <ac:spMk id="32" creationId="{262D1DCF-3D09-E2D4-6FF7-9C80CC45CCB1}"/>
+          </ac:spMkLst>
+        </pc:spChg>
+        <pc:spChg chg="mod">
+          <ac:chgData name="Ryan Lazaroo" userId="cb2ae2c7-790e-4888-82f8-d25990c1f4ef" providerId="ADAL" clId="{9A7FF2AE-D8CE-4471-B17D-762D8C18AF23}" dt="2023-03-14T03:08:39.514" v="964"/>
+          <ac:spMkLst>
+            <pc:docMk/>
+            <pc:sldMk cId="4227149872" sldId="258"/>
+            <ac:spMk id="33" creationId="{01E7C1C7-A8A5-2B15-69A3-836D5DD62122}"/>
+          </ac:spMkLst>
+        </pc:spChg>
+        <pc:spChg chg="mod">
+          <ac:chgData name="Ryan Lazaroo" userId="cb2ae2c7-790e-4888-82f8-d25990c1f4ef" providerId="ADAL" clId="{9A7FF2AE-D8CE-4471-B17D-762D8C18AF23}" dt="2023-03-14T03:08:39.514" v="964"/>
+          <ac:spMkLst>
+            <pc:docMk/>
+            <pc:sldMk cId="4227149872" sldId="258"/>
+            <ac:spMk id="34" creationId="{CF1D7B8A-746F-7B95-A95F-12D41E169915}"/>
+          </ac:spMkLst>
+        </pc:spChg>
+        <pc:spChg chg="add mod">
+          <ac:chgData name="Ryan Lazaroo" userId="cb2ae2c7-790e-4888-82f8-d25990c1f4ef" providerId="ADAL" clId="{9A7FF2AE-D8CE-4471-B17D-762D8C18AF23}" dt="2023-03-14T03:33:43.614" v="1122" actId="164"/>
+          <ac:spMkLst>
+            <pc:docMk/>
+            <pc:sldMk cId="4227149872" sldId="258"/>
+            <ac:spMk id="41" creationId="{1AD56A01-DB84-8839-9A2C-68D1C880DC2D}"/>
+          </ac:spMkLst>
+        </pc:spChg>
+        <pc:grpChg chg="add del mod">
+          <ac:chgData name="Ryan Lazaroo" userId="cb2ae2c7-790e-4888-82f8-d25990c1f4ef" providerId="ADAL" clId="{9A7FF2AE-D8CE-4471-B17D-762D8C18AF23}" dt="2023-03-14T03:09:06.014" v="976"/>
+          <ac:grpSpMkLst>
+            <pc:docMk/>
+            <pc:sldMk cId="4227149872" sldId="258"/>
+            <ac:grpSpMk id="25" creationId="{7DAB6819-DEF5-9E8E-8447-C0880E870B08}"/>
+          </ac:grpSpMkLst>
+        </pc:grpChg>
+        <pc:grpChg chg="add mod">
+          <ac:chgData name="Ryan Lazaroo" userId="cb2ae2c7-790e-4888-82f8-d25990c1f4ef" providerId="ADAL" clId="{9A7FF2AE-D8CE-4471-B17D-762D8C18AF23}" dt="2023-03-14T03:33:43.614" v="1122" actId="164"/>
+          <ac:grpSpMkLst>
+            <pc:docMk/>
+            <pc:sldMk cId="4227149872" sldId="258"/>
+            <ac:grpSpMk id="36" creationId="{336998AD-5643-EA95-86F2-BEAE04A06EA9}"/>
+          </ac:grpSpMkLst>
+        </pc:grpChg>
+        <pc:grpChg chg="add mod">
+          <ac:chgData name="Ryan Lazaroo" userId="cb2ae2c7-790e-4888-82f8-d25990c1f4ef" providerId="ADAL" clId="{9A7FF2AE-D8CE-4471-B17D-762D8C18AF23}" dt="2023-03-14T03:33:43.614" v="1122" actId="164"/>
+          <ac:grpSpMkLst>
+            <pc:docMk/>
+            <pc:sldMk cId="4227149872" sldId="258"/>
+            <ac:grpSpMk id="42" creationId="{C0364927-46FF-E187-88DC-8D0A2E18AF41}"/>
+          </ac:grpSpMkLst>
+        </pc:grpChg>
+        <pc:picChg chg="add del mod">
+          <ac:chgData name="Ryan Lazaroo" userId="cb2ae2c7-790e-4888-82f8-d25990c1f4ef" providerId="ADAL" clId="{9A7FF2AE-D8CE-4471-B17D-762D8C18AF23}" dt="2023-03-14T02:09:59.845" v="511" actId="478"/>
+          <ac:picMkLst>
+            <pc:docMk/>
+            <pc:sldMk cId="4227149872" sldId="258"/>
+            <ac:picMk id="2" creationId="{899084CC-7E19-C459-F162-FD050385874D}"/>
+          </ac:picMkLst>
+        </pc:picChg>
+        <pc:picChg chg="add del mod">
+          <ac:chgData name="Ryan Lazaroo" userId="cb2ae2c7-790e-4888-82f8-d25990c1f4ef" providerId="ADAL" clId="{9A7FF2AE-D8CE-4471-B17D-762D8C18AF23}" dt="2023-03-14T01:46:21.260" v="305" actId="478"/>
+          <ac:picMkLst>
+            <pc:docMk/>
+            <pc:sldMk cId="4227149872" sldId="258"/>
+            <ac:picMk id="3" creationId="{29B9F26A-2A42-7AAC-1859-D72754882D46}"/>
+          </ac:picMkLst>
+        </pc:picChg>
+        <pc:picChg chg="add del mod modCrop">
+          <ac:chgData name="Ryan Lazaroo" userId="cb2ae2c7-790e-4888-82f8-d25990c1f4ef" providerId="ADAL" clId="{9A7FF2AE-D8CE-4471-B17D-762D8C18AF23}" dt="2023-03-14T03:09:23.449" v="981" actId="478"/>
+          <ac:picMkLst>
+            <pc:docMk/>
+            <pc:sldMk cId="4227149872" sldId="258"/>
+            <ac:picMk id="4" creationId="{2723491B-7E85-ADB7-D19D-8D87854F41EF}"/>
+          </ac:picMkLst>
+        </pc:picChg>
+        <pc:picChg chg="add mod">
+          <ac:chgData name="Ryan Lazaroo" userId="cb2ae2c7-790e-4888-82f8-d25990c1f4ef" providerId="ADAL" clId="{9A7FF2AE-D8CE-4471-B17D-762D8C18AF23}" dt="2023-03-14T03:11:17.165" v="1072" actId="164"/>
+          <ac:picMkLst>
+            <pc:docMk/>
+            <pc:sldMk cId="4227149872" sldId="258"/>
+            <ac:picMk id="8" creationId="{683AF0B1-E93D-9EBB-DAD6-4E956F6C2447}"/>
+          </ac:picMkLst>
+        </pc:picChg>
+        <pc:picChg chg="add mod">
+          <ac:chgData name="Ryan Lazaroo" userId="cb2ae2c7-790e-4888-82f8-d25990c1f4ef" providerId="ADAL" clId="{9A7FF2AE-D8CE-4471-B17D-762D8C18AF23}" dt="2023-03-14T03:11:17.165" v="1072" actId="164"/>
+          <ac:picMkLst>
+            <pc:docMk/>
+            <pc:sldMk cId="4227149872" sldId="258"/>
+            <ac:picMk id="21" creationId="{D693045B-773C-8EF7-E63F-CCA2C287926C}"/>
+          </ac:picMkLst>
+        </pc:picChg>
+        <pc:picChg chg="mod">
+          <ac:chgData name="Ryan Lazaroo" userId="cb2ae2c7-790e-4888-82f8-d25990c1f4ef" providerId="ADAL" clId="{9A7FF2AE-D8CE-4471-B17D-762D8C18AF23}" dt="2023-03-14T03:08:39.514" v="964"/>
+          <ac:picMkLst>
+            <pc:docMk/>
+            <pc:sldMk cId="4227149872" sldId="258"/>
+            <ac:picMk id="26" creationId="{E6A4BD3C-E73D-AF6B-428C-586AEF8155E4}"/>
+          </ac:picMkLst>
+        </pc:picChg>
+        <pc:picChg chg="add mod">
+          <ac:chgData name="Ryan Lazaroo" userId="cb2ae2c7-790e-4888-82f8-d25990c1f4ef" providerId="ADAL" clId="{9A7FF2AE-D8CE-4471-B17D-762D8C18AF23}" dt="2023-03-14T03:11:17.165" v="1072" actId="164"/>
+          <ac:picMkLst>
+            <pc:docMk/>
+            <pc:sldMk cId="4227149872" sldId="258"/>
+            <ac:picMk id="35" creationId="{EA288C35-A54F-7344-1CDC-DFF9F115615C}"/>
+          </ac:picMkLst>
+        </pc:picChg>
+        <pc:picChg chg="add del mod">
+          <ac:chgData name="Ryan Lazaroo" userId="cb2ae2c7-790e-4888-82f8-d25990c1f4ef" providerId="ADAL" clId="{9A7FF2AE-D8CE-4471-B17D-762D8C18AF23}" dt="2023-03-14T03:11:55.521" v="1075" actId="478"/>
+          <ac:picMkLst>
+            <pc:docMk/>
+            <pc:sldMk cId="4227149872" sldId="258"/>
+            <ac:picMk id="37" creationId="{FE5330C4-21B5-3CDA-8160-9C955CB07A69}"/>
+          </ac:picMkLst>
+        </pc:picChg>
+        <pc:picChg chg="add del">
+          <ac:chgData name="Ryan Lazaroo" userId="cb2ae2c7-790e-4888-82f8-d25990c1f4ef" providerId="ADAL" clId="{9A7FF2AE-D8CE-4471-B17D-762D8C18AF23}" dt="2023-03-14T03:31:30.825" v="1078" actId="22"/>
+          <ac:picMkLst>
+            <pc:docMk/>
+            <pc:sldMk cId="4227149872" sldId="258"/>
+            <ac:picMk id="39" creationId="{A0E60EE1-3712-959A-B69B-886B43BFCD09}"/>
+          </ac:picMkLst>
+        </pc:picChg>
+        <pc:picChg chg="add del">
+          <ac:chgData name="Ryan Lazaroo" userId="cb2ae2c7-790e-4888-82f8-d25990c1f4ef" providerId="ADAL" clId="{9A7FF2AE-D8CE-4471-B17D-762D8C18AF23}" dt="2023-03-14T03:31:48.663" v="1080" actId="478"/>
+          <ac:picMkLst>
+            <pc:docMk/>
+            <pc:sldMk cId="4227149872" sldId="258"/>
+            <ac:picMk id="40" creationId="{F9B9F8B2-95D5-DDFA-26FD-AE4DE975E149}"/>
+          </ac:picMkLst>
+        </pc:picChg>
+        <pc:picChg chg="add del">
+          <ac:chgData name="Ryan Lazaroo" userId="cb2ae2c7-790e-4888-82f8-d25990c1f4ef" providerId="ADAL" clId="{9A7FF2AE-D8CE-4471-B17D-762D8C18AF23}" dt="2023-03-14T03:33:55.627" v="1124" actId="478"/>
+          <ac:picMkLst>
+            <pc:docMk/>
+            <pc:sldMk cId="4227149872" sldId="258"/>
+            <ac:picMk id="43" creationId="{5E1D0E1A-3FA7-4AEA-CAAB-63E6F853A65D}"/>
+          </ac:picMkLst>
+        </pc:picChg>
+        <pc:cxnChg chg="mod">
+          <ac:chgData name="Ryan Lazaroo" userId="cb2ae2c7-790e-4888-82f8-d25990c1f4ef" providerId="ADAL" clId="{9A7FF2AE-D8CE-4471-B17D-762D8C18AF23}" dt="2023-03-14T03:08:39.514" v="964"/>
+          <ac:cxnSpMkLst>
+            <pc:docMk/>
+            <pc:sldMk cId="4227149872" sldId="258"/>
+            <ac:cxnSpMk id="27" creationId="{D4B83AA1-5C5A-B8B1-48C3-DDFA7B36804F}"/>
+          </ac:cxnSpMkLst>
+        </pc:cxnChg>
+        <pc:cxnChg chg="mod">
+          <ac:chgData name="Ryan Lazaroo" userId="cb2ae2c7-790e-4888-82f8-d25990c1f4ef" providerId="ADAL" clId="{9A7FF2AE-D8CE-4471-B17D-762D8C18AF23}" dt="2023-03-14T03:08:39.514" v="964"/>
+          <ac:cxnSpMkLst>
+            <pc:docMk/>
+            <pc:sldMk cId="4227149872" sldId="258"/>
+            <ac:cxnSpMk id="28" creationId="{6F4138D5-79F9-F6A5-6089-02ACDB565EEF}"/>
+          </ac:cxnSpMkLst>
+        </pc:cxnChg>
+        <pc:cxnChg chg="mod">
+          <ac:chgData name="Ryan Lazaroo" userId="cb2ae2c7-790e-4888-82f8-d25990c1f4ef" providerId="ADAL" clId="{9A7FF2AE-D8CE-4471-B17D-762D8C18AF23}" dt="2023-03-14T03:08:39.514" v="964"/>
+          <ac:cxnSpMkLst>
+            <pc:docMk/>
+            <pc:sldMk cId="4227149872" sldId="258"/>
+            <ac:cxnSpMk id="29" creationId="{E2BF75F1-4DC3-1BCF-12AC-0C9DDA663CDA}"/>
+          </ac:cxnSpMkLst>
+        </pc:cxnChg>
+        <pc:cxnChg chg="mod">
+          <ac:chgData name="Ryan Lazaroo" userId="cb2ae2c7-790e-4888-82f8-d25990c1f4ef" providerId="ADAL" clId="{9A7FF2AE-D8CE-4471-B17D-762D8C18AF23}" dt="2023-03-14T03:08:39.514" v="964"/>
+          <ac:cxnSpMkLst>
+            <pc:docMk/>
+            <pc:sldMk cId="4227149872" sldId="258"/>
+            <ac:cxnSpMk id="30" creationId="{9D49E1F7-7177-BDD6-1090-98EAE3F0E2F9}"/>
+          </ac:cxnSpMkLst>
+        </pc:cxnChg>
+      </pc:sldChg>
+      <pc:sldChg chg="addSp delSp modSp new del mod">
+        <pc:chgData name="Ryan Lazaroo" userId="cb2ae2c7-790e-4888-82f8-d25990c1f4ef" providerId="ADAL" clId="{9A7FF2AE-D8CE-4471-B17D-762D8C18AF23}" dt="2023-03-13T09:17:55.587" v="25" actId="2696"/>
+        <pc:sldMkLst>
+          <pc:docMk/>
+          <pc:sldMk cId="719356717" sldId="259"/>
+        </pc:sldMkLst>
+        <pc:spChg chg="del">
+          <ac:chgData name="Ryan Lazaroo" userId="cb2ae2c7-790e-4888-82f8-d25990c1f4ef" providerId="ADAL" clId="{9A7FF2AE-D8CE-4471-B17D-762D8C18AF23}" dt="2023-03-13T09:16:55.725" v="19" actId="478"/>
+          <ac:spMkLst>
+            <pc:docMk/>
+            <pc:sldMk cId="719356717" sldId="259"/>
+            <ac:spMk id="2" creationId="{9D9EE913-1EF1-6B5D-B4D7-D93709DF9B12}"/>
+          </ac:spMkLst>
+        </pc:spChg>
+        <pc:spChg chg="del">
+          <ac:chgData name="Ryan Lazaroo" userId="cb2ae2c7-790e-4888-82f8-d25990c1f4ef" providerId="ADAL" clId="{9A7FF2AE-D8CE-4471-B17D-762D8C18AF23}" dt="2023-03-13T09:16:54.997" v="18" actId="478"/>
+          <ac:spMkLst>
+            <pc:docMk/>
+            <pc:sldMk cId="719356717" sldId="259"/>
+            <ac:spMk id="3" creationId="{AAC2CC77-22B7-0EC3-A75C-13B9CAA9967C}"/>
+          </ac:spMkLst>
+        </pc:spChg>
+        <pc:picChg chg="add del mod modCrop">
+          <ac:chgData name="Ryan Lazaroo" userId="cb2ae2c7-790e-4888-82f8-d25990c1f4ef" providerId="ADAL" clId="{9A7FF2AE-D8CE-4471-B17D-762D8C18AF23}" dt="2023-03-13T09:17:48.006" v="24" actId="478"/>
+          <ac:picMkLst>
+            <pc:docMk/>
+            <pc:sldMk cId="719356717" sldId="259"/>
+            <ac:picMk id="4" creationId="{4B739BDC-1E8B-5772-D857-F6F56681FBB7}"/>
+          </ac:picMkLst>
+        </pc:picChg>
+      </pc:sldChg>
+      <pc:sldChg chg="addSp delSp modSp new mod ord">
+        <pc:chgData name="Ryan Lazaroo" userId="cb2ae2c7-790e-4888-82f8-d25990c1f4ef" providerId="ADAL" clId="{9A7FF2AE-D8CE-4471-B17D-762D8C18AF23}" dt="2023-03-14T03:08:06.889" v="962" actId="164"/>
+        <pc:sldMkLst>
+          <pc:docMk/>
+          <pc:sldMk cId="1259443832" sldId="259"/>
+        </pc:sldMkLst>
+        <pc:spChg chg="del">
+          <ac:chgData name="Ryan Lazaroo" userId="cb2ae2c7-790e-4888-82f8-d25990c1f4ef" providerId="ADAL" clId="{9A7FF2AE-D8CE-4471-B17D-762D8C18AF23}" dt="2023-03-14T03:02:26.791" v="851" actId="478"/>
+          <ac:spMkLst>
+            <pc:docMk/>
+            <pc:sldMk cId="1259443832" sldId="259"/>
+            <ac:spMk id="2" creationId="{B3AF767D-E126-9F7C-E109-6D9F5825FB34}"/>
+          </ac:spMkLst>
+        </pc:spChg>
+        <pc:spChg chg="del">
+          <ac:chgData name="Ryan Lazaroo" userId="cb2ae2c7-790e-4888-82f8-d25990c1f4ef" providerId="ADAL" clId="{9A7FF2AE-D8CE-4471-B17D-762D8C18AF23}" dt="2023-03-14T03:02:24.882" v="850" actId="478"/>
+          <ac:spMkLst>
+            <pc:docMk/>
+            <pc:sldMk cId="1259443832" sldId="259"/>
+            <ac:spMk id="3" creationId="{D557ADE8-5C58-B6ED-FC71-8B80E2A46CAA}"/>
+          </ac:spMkLst>
+        </pc:spChg>
+        <pc:spChg chg="add mod">
+          <ac:chgData name="Ryan Lazaroo" userId="cb2ae2c7-790e-4888-82f8-d25990c1f4ef" providerId="ADAL" clId="{9A7FF2AE-D8CE-4471-B17D-762D8C18AF23}" dt="2023-03-14T03:08:06.889" v="962" actId="164"/>
+          <ac:spMkLst>
+            <pc:docMk/>
+            <pc:sldMk cId="1259443832" sldId="259"/>
+            <ac:spMk id="20" creationId="{D1659C3C-366C-7AED-13C0-DD96C766DD3E}"/>
+          </ac:spMkLst>
+        </pc:spChg>
+        <pc:spChg chg="add mod">
+          <ac:chgData name="Ryan Lazaroo" userId="cb2ae2c7-790e-4888-82f8-d25990c1f4ef" providerId="ADAL" clId="{9A7FF2AE-D8CE-4471-B17D-762D8C18AF23}" dt="2023-03-14T03:08:06.889" v="962" actId="164"/>
+          <ac:spMkLst>
+            <pc:docMk/>
+            <pc:sldMk cId="1259443832" sldId="259"/>
+            <ac:spMk id="21" creationId="{5E7CAB70-B1E0-C4EA-8DBB-DD1021A017E3}"/>
+          </ac:spMkLst>
+        </pc:spChg>
+        <pc:spChg chg="add mod">
+          <ac:chgData name="Ryan Lazaroo" userId="cb2ae2c7-790e-4888-82f8-d25990c1f4ef" providerId="ADAL" clId="{9A7FF2AE-D8CE-4471-B17D-762D8C18AF23}" dt="2023-03-14T03:08:06.889" v="962" actId="164"/>
+          <ac:spMkLst>
+            <pc:docMk/>
+            <pc:sldMk cId="1259443832" sldId="259"/>
+            <ac:spMk id="22" creationId="{1B3C30D4-7663-6FA4-39F6-A83AE37B80D1}"/>
+          </ac:spMkLst>
+        </pc:spChg>
+        <pc:spChg chg="add mod">
+          <ac:chgData name="Ryan Lazaroo" userId="cb2ae2c7-790e-4888-82f8-d25990c1f4ef" providerId="ADAL" clId="{9A7FF2AE-D8CE-4471-B17D-762D8C18AF23}" dt="2023-03-14T03:08:06.889" v="962" actId="164"/>
+          <ac:spMkLst>
+            <pc:docMk/>
+            <pc:sldMk cId="1259443832" sldId="259"/>
+            <ac:spMk id="23" creationId="{7671A1E1-2330-61D9-006C-3520E7E5CD78}"/>
+          </ac:spMkLst>
+        </pc:spChg>
+        <pc:grpChg chg="add mod">
+          <ac:chgData name="Ryan Lazaroo" userId="cb2ae2c7-790e-4888-82f8-d25990c1f4ef" providerId="ADAL" clId="{9A7FF2AE-D8CE-4471-B17D-762D8C18AF23}" dt="2023-03-14T03:08:06.889" v="962" actId="164"/>
+          <ac:grpSpMkLst>
+            <pc:docMk/>
+            <pc:sldMk cId="1259443832" sldId="259"/>
+            <ac:grpSpMk id="24" creationId="{F9D7ED5E-F7CD-9A83-DB9D-534292C41C69}"/>
+          </ac:grpSpMkLst>
+        </pc:grpChg>
+        <pc:picChg chg="add del mod">
+          <ac:chgData name="Ryan Lazaroo" userId="cb2ae2c7-790e-4888-82f8-d25990c1f4ef" providerId="ADAL" clId="{9A7FF2AE-D8CE-4471-B17D-762D8C18AF23}" dt="2023-03-14T03:03:11.758" v="861" actId="478"/>
+          <ac:picMkLst>
+            <pc:docMk/>
+            <pc:sldMk cId="1259443832" sldId="259"/>
+            <ac:picMk id="4" creationId="{925F71BE-AF05-03BD-1C50-36D45C9B5EA4}"/>
+          </ac:picMkLst>
+        </pc:picChg>
+        <pc:picChg chg="add mod">
+          <ac:chgData name="Ryan Lazaroo" userId="cb2ae2c7-790e-4888-82f8-d25990c1f4ef" providerId="ADAL" clId="{9A7FF2AE-D8CE-4471-B17D-762D8C18AF23}" dt="2023-03-14T03:08:06.889" v="962" actId="164"/>
+          <ac:picMkLst>
+            <pc:docMk/>
+            <pc:sldMk cId="1259443832" sldId="259"/>
+            <ac:picMk id="8" creationId="{647D88F9-200C-D12D-1E5F-0584C704FDC8}"/>
+          </ac:picMkLst>
+        </pc:picChg>
+        <pc:cxnChg chg="add del mod">
+          <ac:chgData name="Ryan Lazaroo" userId="cb2ae2c7-790e-4888-82f8-d25990c1f4ef" providerId="ADAL" clId="{9A7FF2AE-D8CE-4471-B17D-762D8C18AF23}" dt="2023-03-14T03:03:13.119" v="862" actId="478"/>
+          <ac:cxnSpMkLst>
+            <pc:docMk/>
+            <pc:sldMk cId="1259443832" sldId="259"/>
+            <ac:cxnSpMk id="6" creationId="{856163C5-1CE3-45B0-40B2-17A460D50120}"/>
+          </ac:cxnSpMkLst>
+        </pc:cxnChg>
+        <pc:cxnChg chg="add mod">
+          <ac:chgData name="Ryan Lazaroo" userId="cb2ae2c7-790e-4888-82f8-d25990c1f4ef" providerId="ADAL" clId="{9A7FF2AE-D8CE-4471-B17D-762D8C18AF23}" dt="2023-03-14T03:08:06.889" v="962" actId="164"/>
+          <ac:cxnSpMkLst>
+            <pc:docMk/>
+            <pc:sldMk cId="1259443832" sldId="259"/>
+            <ac:cxnSpMk id="10" creationId="{F92034B2-BD11-A7F5-C2DC-8AA3DC0EA1CB}"/>
+          </ac:cxnSpMkLst>
+        </pc:cxnChg>
+        <pc:cxnChg chg="add mod">
+          <ac:chgData name="Ryan Lazaroo" userId="cb2ae2c7-790e-4888-82f8-d25990c1f4ef" providerId="ADAL" clId="{9A7FF2AE-D8CE-4471-B17D-762D8C18AF23}" dt="2023-03-14T03:08:06.889" v="962" actId="164"/>
+          <ac:cxnSpMkLst>
+            <pc:docMk/>
+            <pc:sldMk cId="1259443832" sldId="259"/>
+            <ac:cxnSpMk id="12" creationId="{05C93AB9-F434-62FC-CA7C-3FE2F2A97A31}"/>
+          </ac:cxnSpMkLst>
+        </pc:cxnChg>
+        <pc:cxnChg chg="add mod">
+          <ac:chgData name="Ryan Lazaroo" userId="cb2ae2c7-790e-4888-82f8-d25990c1f4ef" providerId="ADAL" clId="{9A7FF2AE-D8CE-4471-B17D-762D8C18AF23}" dt="2023-03-14T03:08:06.889" v="962" actId="164"/>
+          <ac:cxnSpMkLst>
+            <pc:docMk/>
+            <pc:sldMk cId="1259443832" sldId="259"/>
+            <ac:cxnSpMk id="15" creationId="{2C111358-9F7F-3A71-007E-C012B392F679}"/>
+          </ac:cxnSpMkLst>
+        </pc:cxnChg>
+        <pc:cxnChg chg="add mod">
+          <ac:chgData name="Ryan Lazaroo" userId="cb2ae2c7-790e-4888-82f8-d25990c1f4ef" providerId="ADAL" clId="{9A7FF2AE-D8CE-4471-B17D-762D8C18AF23}" dt="2023-03-14T03:08:06.889" v="962" actId="164"/>
+          <ac:cxnSpMkLst>
+            <pc:docMk/>
+            <pc:sldMk cId="1259443832" sldId="259"/>
+            <ac:cxnSpMk id="18" creationId="{1C54260A-CD25-DDF1-7091-BD2035BE9DDC}"/>
+          </ac:cxnSpMkLst>
+        </pc:cxnChg>
+      </pc:sldChg>
+    </pc:docChg>
+  </pc:docChgLst>
+  <pc:docChgLst>
     <pc:chgData name="Munish Kumar" userId="9ae06b6e-a1f0-45ab-b9ac-eebc010a9474" providerId="ADAL" clId="{96128CAA-855C-431B-B32C-C06C1B333417}"/>
     <pc:docChg chg="undo custSel addSld modSld">
       <pc:chgData name="Munish Kumar" userId="9ae06b6e-a1f0-45ab-b9ac-eebc010a9474" providerId="ADAL" clId="{96128CAA-855C-431B-B32C-C06C1B333417}" dt="2023-03-08T10:26:13.087" v="192"/>
@@ -425,922 +1341,6 @@
             <ac:picMk id="13" creationId="{5600B291-6607-446A-8D89-CA67F2B171E9}"/>
           </ac:picMkLst>
         </pc:picChg>
-      </pc:sldChg>
-    </pc:docChg>
-  </pc:docChgLst>
-  <pc:docChgLst>
-    <pc:chgData name="Ryan Lazaroo" userId="cb2ae2c7-790e-4888-82f8-d25990c1f4ef" providerId="ADAL" clId="{9A7FF2AE-D8CE-4471-B17D-762D8C18AF23}"/>
-    <pc:docChg chg="undo custSel addSld delSld modSld sldOrd">
-      <pc:chgData name="Ryan Lazaroo" userId="cb2ae2c7-790e-4888-82f8-d25990c1f4ef" providerId="ADAL" clId="{9A7FF2AE-D8CE-4471-B17D-762D8C18AF23}" dt="2023-03-14T03:33:55.627" v="1124" actId="478"/>
-      <pc:docMkLst>
-        <pc:docMk/>
-      </pc:docMkLst>
-      <pc:sldChg chg="addSp delSp modSp mod">
-        <pc:chgData name="Ryan Lazaroo" userId="cb2ae2c7-790e-4888-82f8-d25990c1f4ef" providerId="ADAL" clId="{9A7FF2AE-D8CE-4471-B17D-762D8C18AF23}" dt="2023-03-13T10:17:16.880" v="120" actId="164"/>
-        <pc:sldMkLst>
-          <pc:docMk/>
-          <pc:sldMk cId="1166562419" sldId="256"/>
-        </pc:sldMkLst>
-        <pc:spChg chg="mod">
-          <ac:chgData name="Ryan Lazaroo" userId="cb2ae2c7-790e-4888-82f8-d25990c1f4ef" providerId="ADAL" clId="{9A7FF2AE-D8CE-4471-B17D-762D8C18AF23}" dt="2023-03-13T10:12:52.709" v="85" actId="165"/>
-          <ac:spMkLst>
-            <pc:docMk/>
-            <pc:sldMk cId="1166562419" sldId="256"/>
-            <ac:spMk id="4" creationId="{8512B4CD-3319-CEDC-7A0B-C5AACCA9D294}"/>
-          </ac:spMkLst>
-        </pc:spChg>
-        <pc:spChg chg="mod">
-          <ac:chgData name="Ryan Lazaroo" userId="cb2ae2c7-790e-4888-82f8-d25990c1f4ef" providerId="ADAL" clId="{9A7FF2AE-D8CE-4471-B17D-762D8C18AF23}" dt="2023-03-13T10:12:52.709" v="85" actId="165"/>
-          <ac:spMkLst>
-            <pc:docMk/>
-            <pc:sldMk cId="1166562419" sldId="256"/>
-            <ac:spMk id="5" creationId="{72FA5E94-6E7B-0D17-793D-476C498F488A}"/>
-          </ac:spMkLst>
-        </pc:spChg>
-        <pc:spChg chg="mod">
-          <ac:chgData name="Ryan Lazaroo" userId="cb2ae2c7-790e-4888-82f8-d25990c1f4ef" providerId="ADAL" clId="{9A7FF2AE-D8CE-4471-B17D-762D8C18AF23}" dt="2023-03-13T10:12:52.709" v="85" actId="165"/>
-          <ac:spMkLst>
-            <pc:docMk/>
-            <pc:sldMk cId="1166562419" sldId="256"/>
-            <ac:spMk id="6" creationId="{49F7536A-10ED-4FFD-3CCF-D00F49958D3A}"/>
-          </ac:spMkLst>
-        </pc:spChg>
-        <pc:spChg chg="mod">
-          <ac:chgData name="Ryan Lazaroo" userId="cb2ae2c7-790e-4888-82f8-d25990c1f4ef" providerId="ADAL" clId="{9A7FF2AE-D8CE-4471-B17D-762D8C18AF23}" dt="2023-03-13T10:12:52.709" v="85" actId="165"/>
-          <ac:spMkLst>
-            <pc:docMk/>
-            <pc:sldMk cId="1166562419" sldId="256"/>
-            <ac:spMk id="7" creationId="{88914AED-A93A-F4EC-9A33-898FF60ED522}"/>
-          </ac:spMkLst>
-        </pc:spChg>
-        <pc:spChg chg="mod">
-          <ac:chgData name="Ryan Lazaroo" userId="cb2ae2c7-790e-4888-82f8-d25990c1f4ef" providerId="ADAL" clId="{9A7FF2AE-D8CE-4471-B17D-762D8C18AF23}" dt="2023-03-13T10:12:52.709" v="85" actId="165"/>
-          <ac:spMkLst>
-            <pc:docMk/>
-            <pc:sldMk cId="1166562419" sldId="256"/>
-            <ac:spMk id="8" creationId="{6D867827-CB30-76AA-52BB-20F386E7551E}"/>
-          </ac:spMkLst>
-        </pc:spChg>
-        <pc:spChg chg="mod">
-          <ac:chgData name="Ryan Lazaroo" userId="cb2ae2c7-790e-4888-82f8-d25990c1f4ef" providerId="ADAL" clId="{9A7FF2AE-D8CE-4471-B17D-762D8C18AF23}" dt="2023-03-13T10:12:52.709" v="85" actId="165"/>
-          <ac:spMkLst>
-            <pc:docMk/>
-            <pc:sldMk cId="1166562419" sldId="256"/>
-            <ac:spMk id="9" creationId="{55F278CB-94F1-10B7-55A9-51A16A223021}"/>
-          </ac:spMkLst>
-        </pc:spChg>
-        <pc:spChg chg="mod">
-          <ac:chgData name="Ryan Lazaroo" userId="cb2ae2c7-790e-4888-82f8-d25990c1f4ef" providerId="ADAL" clId="{9A7FF2AE-D8CE-4471-B17D-762D8C18AF23}" dt="2023-03-13T10:12:52.709" v="85" actId="165"/>
-          <ac:spMkLst>
-            <pc:docMk/>
-            <pc:sldMk cId="1166562419" sldId="256"/>
-            <ac:spMk id="10" creationId="{E12C26A2-BC9A-A5A3-BFD9-8588C324307A}"/>
-          </ac:spMkLst>
-        </pc:spChg>
-        <pc:spChg chg="mod">
-          <ac:chgData name="Ryan Lazaroo" userId="cb2ae2c7-790e-4888-82f8-d25990c1f4ef" providerId="ADAL" clId="{9A7FF2AE-D8CE-4471-B17D-762D8C18AF23}" dt="2023-03-13T10:12:52.709" v="85" actId="165"/>
-          <ac:spMkLst>
-            <pc:docMk/>
-            <pc:sldMk cId="1166562419" sldId="256"/>
-            <ac:spMk id="11" creationId="{21D03A22-9450-1817-7ADD-76AC68B7C324}"/>
-          </ac:spMkLst>
-        </pc:spChg>
-        <pc:spChg chg="mod">
-          <ac:chgData name="Ryan Lazaroo" userId="cb2ae2c7-790e-4888-82f8-d25990c1f4ef" providerId="ADAL" clId="{9A7FF2AE-D8CE-4471-B17D-762D8C18AF23}" dt="2023-03-13T10:12:52.709" v="85" actId="165"/>
-          <ac:spMkLst>
-            <pc:docMk/>
-            <pc:sldMk cId="1166562419" sldId="256"/>
-            <ac:spMk id="12" creationId="{7B2BC793-1169-8A00-7035-AA4AAD4AEF72}"/>
-          </ac:spMkLst>
-        </pc:spChg>
-        <pc:spChg chg="mod">
-          <ac:chgData name="Ryan Lazaroo" userId="cb2ae2c7-790e-4888-82f8-d25990c1f4ef" providerId="ADAL" clId="{9A7FF2AE-D8CE-4471-B17D-762D8C18AF23}" dt="2023-03-13T10:12:52.709" v="85" actId="165"/>
-          <ac:spMkLst>
-            <pc:docMk/>
-            <pc:sldMk cId="1166562419" sldId="256"/>
-            <ac:spMk id="14" creationId="{4D94221A-E061-EB68-4205-273BAF0931A3}"/>
-          </ac:spMkLst>
-        </pc:spChg>
-        <pc:spChg chg="mod">
-          <ac:chgData name="Ryan Lazaroo" userId="cb2ae2c7-790e-4888-82f8-d25990c1f4ef" providerId="ADAL" clId="{9A7FF2AE-D8CE-4471-B17D-762D8C18AF23}" dt="2023-03-13T10:12:52.709" v="85" actId="165"/>
-          <ac:spMkLst>
-            <pc:docMk/>
-            <pc:sldMk cId="1166562419" sldId="256"/>
-            <ac:spMk id="15" creationId="{5D2F8307-A422-1ED9-E5A1-571B12B65B10}"/>
-          </ac:spMkLst>
-        </pc:spChg>
-        <pc:spChg chg="mod">
-          <ac:chgData name="Ryan Lazaroo" userId="cb2ae2c7-790e-4888-82f8-d25990c1f4ef" providerId="ADAL" clId="{9A7FF2AE-D8CE-4471-B17D-762D8C18AF23}" dt="2023-03-13T10:12:52.709" v="85" actId="165"/>
-          <ac:spMkLst>
-            <pc:docMk/>
-            <pc:sldMk cId="1166562419" sldId="256"/>
-            <ac:spMk id="16" creationId="{9318305E-B0F5-EBF4-8F22-61115AE2F6D8}"/>
-          </ac:spMkLst>
-        </pc:spChg>
-        <pc:spChg chg="mod">
-          <ac:chgData name="Ryan Lazaroo" userId="cb2ae2c7-790e-4888-82f8-d25990c1f4ef" providerId="ADAL" clId="{9A7FF2AE-D8CE-4471-B17D-762D8C18AF23}" dt="2023-03-13T10:12:52.709" v="85" actId="165"/>
-          <ac:spMkLst>
-            <pc:docMk/>
-            <pc:sldMk cId="1166562419" sldId="256"/>
-            <ac:spMk id="20" creationId="{F8D8E057-FA3D-4CF2-EBE1-1882D7AEF87E}"/>
-          </ac:spMkLst>
-        </pc:spChg>
-        <pc:spChg chg="mod">
-          <ac:chgData name="Ryan Lazaroo" userId="cb2ae2c7-790e-4888-82f8-d25990c1f4ef" providerId="ADAL" clId="{9A7FF2AE-D8CE-4471-B17D-762D8C18AF23}" dt="2023-03-13T10:12:52.709" v="85" actId="165"/>
-          <ac:spMkLst>
-            <pc:docMk/>
-            <pc:sldMk cId="1166562419" sldId="256"/>
-            <ac:spMk id="21" creationId="{12818691-B2BA-FC92-A50C-324883664354}"/>
-          </ac:spMkLst>
-        </pc:spChg>
-        <pc:spChg chg="mod">
-          <ac:chgData name="Ryan Lazaroo" userId="cb2ae2c7-790e-4888-82f8-d25990c1f4ef" providerId="ADAL" clId="{9A7FF2AE-D8CE-4471-B17D-762D8C18AF23}" dt="2023-03-13T10:12:52.709" v="85" actId="165"/>
-          <ac:spMkLst>
-            <pc:docMk/>
-            <pc:sldMk cId="1166562419" sldId="256"/>
-            <ac:spMk id="22" creationId="{AC5D19A8-D9DF-32FC-16ED-E58FA85265FE}"/>
-          </ac:spMkLst>
-        </pc:spChg>
-        <pc:spChg chg="mod">
-          <ac:chgData name="Ryan Lazaroo" userId="cb2ae2c7-790e-4888-82f8-d25990c1f4ef" providerId="ADAL" clId="{9A7FF2AE-D8CE-4471-B17D-762D8C18AF23}" dt="2023-03-13T10:12:52.709" v="85" actId="165"/>
-          <ac:spMkLst>
-            <pc:docMk/>
-            <pc:sldMk cId="1166562419" sldId="256"/>
-            <ac:spMk id="23" creationId="{8E047157-8C7C-B614-9800-9BB2EABBAAB2}"/>
-          </ac:spMkLst>
-        </pc:spChg>
-        <pc:spChg chg="mod topLvl">
-          <ac:chgData name="Ryan Lazaroo" userId="cb2ae2c7-790e-4888-82f8-d25990c1f4ef" providerId="ADAL" clId="{9A7FF2AE-D8CE-4471-B17D-762D8C18AF23}" dt="2023-03-13T10:17:16.880" v="120" actId="164"/>
-          <ac:spMkLst>
-            <pc:docMk/>
-            <pc:sldMk cId="1166562419" sldId="256"/>
-            <ac:spMk id="26" creationId="{35136A66-D222-74E4-385C-1A08F2FD4FF6}"/>
-          </ac:spMkLst>
-        </pc:spChg>
-        <pc:spChg chg="mod topLvl">
-          <ac:chgData name="Ryan Lazaroo" userId="cb2ae2c7-790e-4888-82f8-d25990c1f4ef" providerId="ADAL" clId="{9A7FF2AE-D8CE-4471-B17D-762D8C18AF23}" dt="2023-03-13T10:17:16.880" v="120" actId="164"/>
-          <ac:spMkLst>
-            <pc:docMk/>
-            <pc:sldMk cId="1166562419" sldId="256"/>
-            <ac:spMk id="27" creationId="{48A6C2A8-3BA7-CA2C-760D-1BB3B94EE604}"/>
-          </ac:spMkLst>
-        </pc:spChg>
-        <pc:spChg chg="mod topLvl">
-          <ac:chgData name="Ryan Lazaroo" userId="cb2ae2c7-790e-4888-82f8-d25990c1f4ef" providerId="ADAL" clId="{9A7FF2AE-D8CE-4471-B17D-762D8C18AF23}" dt="2023-03-13T10:17:16.880" v="120" actId="164"/>
-          <ac:spMkLst>
-            <pc:docMk/>
-            <pc:sldMk cId="1166562419" sldId="256"/>
-            <ac:spMk id="28" creationId="{D963C3B0-C715-43DB-99D3-4C2F7FEFF5C3}"/>
-          </ac:spMkLst>
-        </pc:spChg>
-        <pc:spChg chg="mod topLvl">
-          <ac:chgData name="Ryan Lazaroo" userId="cb2ae2c7-790e-4888-82f8-d25990c1f4ef" providerId="ADAL" clId="{9A7FF2AE-D8CE-4471-B17D-762D8C18AF23}" dt="2023-03-13T10:17:16.880" v="120" actId="164"/>
-          <ac:spMkLst>
-            <pc:docMk/>
-            <pc:sldMk cId="1166562419" sldId="256"/>
-            <ac:spMk id="31" creationId="{8C739207-C211-AE9B-555D-559C6381B676}"/>
-          </ac:spMkLst>
-        </pc:spChg>
-        <pc:spChg chg="mod topLvl">
-          <ac:chgData name="Ryan Lazaroo" userId="cb2ae2c7-790e-4888-82f8-d25990c1f4ef" providerId="ADAL" clId="{9A7FF2AE-D8CE-4471-B17D-762D8C18AF23}" dt="2023-03-13T10:17:16.880" v="120" actId="164"/>
-          <ac:spMkLst>
-            <pc:docMk/>
-            <pc:sldMk cId="1166562419" sldId="256"/>
-            <ac:spMk id="33" creationId="{7FFAC754-CD24-D2E6-06E6-455EA6837A60}"/>
-          </ac:spMkLst>
-        </pc:spChg>
-        <pc:spChg chg="mod topLvl">
-          <ac:chgData name="Ryan Lazaroo" userId="cb2ae2c7-790e-4888-82f8-d25990c1f4ef" providerId="ADAL" clId="{9A7FF2AE-D8CE-4471-B17D-762D8C18AF23}" dt="2023-03-13T10:17:16.880" v="120" actId="164"/>
-          <ac:spMkLst>
-            <pc:docMk/>
-            <pc:sldMk cId="1166562419" sldId="256"/>
-            <ac:spMk id="35" creationId="{8CBBAB62-45FB-A2B6-10A0-CC2AD6C71691}"/>
-          </ac:spMkLst>
-        </pc:spChg>
-        <pc:spChg chg="mod topLvl">
-          <ac:chgData name="Ryan Lazaroo" userId="cb2ae2c7-790e-4888-82f8-d25990c1f4ef" providerId="ADAL" clId="{9A7FF2AE-D8CE-4471-B17D-762D8C18AF23}" dt="2023-03-13T10:17:16.880" v="120" actId="164"/>
-          <ac:spMkLst>
-            <pc:docMk/>
-            <pc:sldMk cId="1166562419" sldId="256"/>
-            <ac:spMk id="41" creationId="{96AAE20F-742A-6ACC-177E-F2EDC317D50F}"/>
-          </ac:spMkLst>
-        </pc:spChg>
-        <pc:spChg chg="mod topLvl">
-          <ac:chgData name="Ryan Lazaroo" userId="cb2ae2c7-790e-4888-82f8-d25990c1f4ef" providerId="ADAL" clId="{9A7FF2AE-D8CE-4471-B17D-762D8C18AF23}" dt="2023-03-13T10:17:16.880" v="120" actId="164"/>
-          <ac:spMkLst>
-            <pc:docMk/>
-            <pc:sldMk cId="1166562419" sldId="256"/>
-            <ac:spMk id="43" creationId="{8256158F-2E5A-8D9C-8EB7-D578638577C2}"/>
-          </ac:spMkLst>
-        </pc:spChg>
-        <pc:spChg chg="mod topLvl">
-          <ac:chgData name="Ryan Lazaroo" userId="cb2ae2c7-790e-4888-82f8-d25990c1f4ef" providerId="ADAL" clId="{9A7FF2AE-D8CE-4471-B17D-762D8C18AF23}" dt="2023-03-13T10:17:16.880" v="120" actId="164"/>
-          <ac:spMkLst>
-            <pc:docMk/>
-            <pc:sldMk cId="1166562419" sldId="256"/>
-            <ac:spMk id="50" creationId="{048789E1-8883-11A0-E2DF-B35288B18166}"/>
-          </ac:spMkLst>
-        </pc:spChg>
-        <pc:spChg chg="mod topLvl">
-          <ac:chgData name="Ryan Lazaroo" userId="cb2ae2c7-790e-4888-82f8-d25990c1f4ef" providerId="ADAL" clId="{9A7FF2AE-D8CE-4471-B17D-762D8C18AF23}" dt="2023-03-13T10:17:16.880" v="120" actId="164"/>
-          <ac:spMkLst>
-            <pc:docMk/>
-            <pc:sldMk cId="1166562419" sldId="256"/>
-            <ac:spMk id="51" creationId="{F0E1A934-0ACF-CE7E-A3FD-3B745B74115B}"/>
-          </ac:spMkLst>
-        </pc:spChg>
-        <pc:grpChg chg="mod topLvl">
-          <ac:chgData name="Ryan Lazaroo" userId="cb2ae2c7-790e-4888-82f8-d25990c1f4ef" providerId="ADAL" clId="{9A7FF2AE-D8CE-4471-B17D-762D8C18AF23}" dt="2023-03-13T10:17:16.880" v="120" actId="164"/>
-          <ac:grpSpMkLst>
-            <pc:docMk/>
-            <pc:sldMk cId="1166562419" sldId="256"/>
-            <ac:grpSpMk id="17" creationId="{17885EA5-C011-99A2-CE1E-0136F3C6B14C}"/>
-          </ac:grpSpMkLst>
-        </pc:grpChg>
-        <pc:grpChg chg="mod topLvl">
-          <ac:chgData name="Ryan Lazaroo" userId="cb2ae2c7-790e-4888-82f8-d25990c1f4ef" providerId="ADAL" clId="{9A7FF2AE-D8CE-4471-B17D-762D8C18AF23}" dt="2023-03-13T10:17:16.880" v="120" actId="164"/>
-          <ac:grpSpMkLst>
-            <pc:docMk/>
-            <pc:sldMk cId="1166562419" sldId="256"/>
-            <ac:grpSpMk id="18" creationId="{373F4CA5-1D75-F42E-3A3E-E6850024044E}"/>
-          </ac:grpSpMkLst>
-        </pc:grpChg>
-        <pc:grpChg chg="mod topLvl">
-          <ac:chgData name="Ryan Lazaroo" userId="cb2ae2c7-790e-4888-82f8-d25990c1f4ef" providerId="ADAL" clId="{9A7FF2AE-D8CE-4471-B17D-762D8C18AF23}" dt="2023-03-13T10:17:16.880" v="120" actId="164"/>
-          <ac:grpSpMkLst>
-            <pc:docMk/>
-            <pc:sldMk cId="1166562419" sldId="256"/>
-            <ac:grpSpMk id="25" creationId="{22D006C8-3D62-595C-DFF3-3B3C482814A5}"/>
-          </ac:grpSpMkLst>
-        </pc:grpChg>
-        <pc:grpChg chg="add del mod">
-          <ac:chgData name="Ryan Lazaroo" userId="cb2ae2c7-790e-4888-82f8-d25990c1f4ef" providerId="ADAL" clId="{9A7FF2AE-D8CE-4471-B17D-762D8C18AF23}" dt="2023-03-13T10:11:07.069" v="69" actId="165"/>
-          <ac:grpSpMkLst>
-            <pc:docMk/>
-            <pc:sldMk cId="1166562419" sldId="256"/>
-            <ac:grpSpMk id="42" creationId="{E1872EEA-6480-E08B-0B1B-B1F71EE7ACA6}"/>
-          </ac:grpSpMkLst>
-        </pc:grpChg>
-        <pc:grpChg chg="add del mod">
-          <ac:chgData name="Ryan Lazaroo" userId="cb2ae2c7-790e-4888-82f8-d25990c1f4ef" providerId="ADAL" clId="{9A7FF2AE-D8CE-4471-B17D-762D8C18AF23}" dt="2023-03-13T10:12:52.709" v="85" actId="165"/>
-          <ac:grpSpMkLst>
-            <pc:docMk/>
-            <pc:sldMk cId="1166562419" sldId="256"/>
-            <ac:grpSpMk id="45" creationId="{21A69A0C-0FFA-A540-FD67-8282B084BBF2}"/>
-          </ac:grpSpMkLst>
-        </pc:grpChg>
-        <pc:grpChg chg="add mod">
-          <ac:chgData name="Ryan Lazaroo" userId="cb2ae2c7-790e-4888-82f8-d25990c1f4ef" providerId="ADAL" clId="{9A7FF2AE-D8CE-4471-B17D-762D8C18AF23}" dt="2023-03-13T10:17:16.880" v="120" actId="164"/>
-          <ac:grpSpMkLst>
-            <pc:docMk/>
-            <pc:sldMk cId="1166562419" sldId="256"/>
-            <ac:grpSpMk id="58" creationId="{930251F3-02B5-BB81-C8C5-B0EF90669368}"/>
-          </ac:grpSpMkLst>
-        </pc:grpChg>
-        <pc:cxnChg chg="add del mod topLvl">
-          <ac:chgData name="Ryan Lazaroo" userId="cb2ae2c7-790e-4888-82f8-d25990c1f4ef" providerId="ADAL" clId="{9A7FF2AE-D8CE-4471-B17D-762D8C18AF23}" dt="2023-03-13T10:12:48.146" v="82" actId="478"/>
-          <ac:cxnSpMkLst>
-            <pc:docMk/>
-            <pc:sldMk cId="1166562419" sldId="256"/>
-            <ac:cxnSpMk id="2" creationId="{6BF38561-78CC-945D-1BCF-9E6A222F3445}"/>
-          </ac:cxnSpMkLst>
-        </pc:cxnChg>
-        <pc:cxnChg chg="mod topLvl">
-          <ac:chgData name="Ryan Lazaroo" userId="cb2ae2c7-790e-4888-82f8-d25990c1f4ef" providerId="ADAL" clId="{9A7FF2AE-D8CE-4471-B17D-762D8C18AF23}" dt="2023-03-13T10:17:16.880" v="120" actId="164"/>
-          <ac:cxnSpMkLst>
-            <pc:docMk/>
-            <pc:sldMk cId="1166562419" sldId="256"/>
-            <ac:cxnSpMk id="3" creationId="{D928133D-42AE-9FB4-CDA1-A7A1E6F821EB}"/>
-          </ac:cxnSpMkLst>
-        </pc:cxnChg>
-        <pc:cxnChg chg="mod topLvl">
-          <ac:chgData name="Ryan Lazaroo" userId="cb2ae2c7-790e-4888-82f8-d25990c1f4ef" providerId="ADAL" clId="{9A7FF2AE-D8CE-4471-B17D-762D8C18AF23}" dt="2023-03-13T10:17:16.880" v="120" actId="164"/>
-          <ac:cxnSpMkLst>
-            <pc:docMk/>
-            <pc:sldMk cId="1166562419" sldId="256"/>
-            <ac:cxnSpMk id="13" creationId="{1D049B69-9B60-802C-B8EA-9C6ED39C9069}"/>
-          </ac:cxnSpMkLst>
-        </pc:cxnChg>
-        <pc:cxnChg chg="mod topLvl">
-          <ac:chgData name="Ryan Lazaroo" userId="cb2ae2c7-790e-4888-82f8-d25990c1f4ef" providerId="ADAL" clId="{9A7FF2AE-D8CE-4471-B17D-762D8C18AF23}" dt="2023-03-13T10:17:16.880" v="120" actId="164"/>
-          <ac:cxnSpMkLst>
-            <pc:docMk/>
-            <pc:sldMk cId="1166562419" sldId="256"/>
-            <ac:cxnSpMk id="19" creationId="{57C6D22B-0648-E58E-596A-76BACAC7D740}"/>
-          </ac:cxnSpMkLst>
-        </pc:cxnChg>
-        <pc:cxnChg chg="mod topLvl">
-          <ac:chgData name="Ryan Lazaroo" userId="cb2ae2c7-790e-4888-82f8-d25990c1f4ef" providerId="ADAL" clId="{9A7FF2AE-D8CE-4471-B17D-762D8C18AF23}" dt="2023-03-13T10:17:16.880" v="120" actId="164"/>
-          <ac:cxnSpMkLst>
-            <pc:docMk/>
-            <pc:sldMk cId="1166562419" sldId="256"/>
-            <ac:cxnSpMk id="24" creationId="{F0A71FA8-A524-04EB-1028-C46190E16AEC}"/>
-          </ac:cxnSpMkLst>
-        </pc:cxnChg>
-        <pc:cxnChg chg="add del mod topLvl">
-          <ac:chgData name="Ryan Lazaroo" userId="cb2ae2c7-790e-4888-82f8-d25990c1f4ef" providerId="ADAL" clId="{9A7FF2AE-D8CE-4471-B17D-762D8C18AF23}" dt="2023-03-13T10:12:56.508" v="86" actId="478"/>
-          <ac:cxnSpMkLst>
-            <pc:docMk/>
-            <pc:sldMk cId="1166562419" sldId="256"/>
-            <ac:cxnSpMk id="30" creationId="{83C5AE62-2FD1-F168-5A35-2AE4F933CF8A}"/>
-          </ac:cxnSpMkLst>
-        </pc:cxnChg>
-        <pc:cxnChg chg="mod topLvl">
-          <ac:chgData name="Ryan Lazaroo" userId="cb2ae2c7-790e-4888-82f8-d25990c1f4ef" providerId="ADAL" clId="{9A7FF2AE-D8CE-4471-B17D-762D8C18AF23}" dt="2023-03-13T10:17:16.880" v="120" actId="164"/>
-          <ac:cxnSpMkLst>
-            <pc:docMk/>
-            <pc:sldMk cId="1166562419" sldId="256"/>
-            <ac:cxnSpMk id="32" creationId="{9CDE6EE8-DE2F-C84C-92BC-667F7E3D17E3}"/>
-          </ac:cxnSpMkLst>
-        </pc:cxnChg>
-        <pc:cxnChg chg="mod topLvl">
-          <ac:chgData name="Ryan Lazaroo" userId="cb2ae2c7-790e-4888-82f8-d25990c1f4ef" providerId="ADAL" clId="{9A7FF2AE-D8CE-4471-B17D-762D8C18AF23}" dt="2023-03-13T10:17:16.880" v="120" actId="164"/>
-          <ac:cxnSpMkLst>
-            <pc:docMk/>
-            <pc:sldMk cId="1166562419" sldId="256"/>
-            <ac:cxnSpMk id="34" creationId="{BF9583B9-93A3-08D3-44AF-6D23AE109D59}"/>
-          </ac:cxnSpMkLst>
-        </pc:cxnChg>
-        <pc:cxnChg chg="mod topLvl">
-          <ac:chgData name="Ryan Lazaroo" userId="cb2ae2c7-790e-4888-82f8-d25990c1f4ef" providerId="ADAL" clId="{9A7FF2AE-D8CE-4471-B17D-762D8C18AF23}" dt="2023-03-13T10:17:16.880" v="120" actId="164"/>
-          <ac:cxnSpMkLst>
-            <pc:docMk/>
-            <pc:sldMk cId="1166562419" sldId="256"/>
-            <ac:cxnSpMk id="36" creationId="{F3FD6948-EE0A-6E0A-E383-1B808F3CE006}"/>
-          </ac:cxnSpMkLst>
-        </pc:cxnChg>
-        <pc:cxnChg chg="mod topLvl">
-          <ac:chgData name="Ryan Lazaroo" userId="cb2ae2c7-790e-4888-82f8-d25990c1f4ef" providerId="ADAL" clId="{9A7FF2AE-D8CE-4471-B17D-762D8C18AF23}" dt="2023-03-13T10:17:16.880" v="120" actId="164"/>
-          <ac:cxnSpMkLst>
-            <pc:docMk/>
-            <pc:sldMk cId="1166562419" sldId="256"/>
-            <ac:cxnSpMk id="38" creationId="{95E25431-33C8-D51F-EBCD-07799EA60D5A}"/>
-          </ac:cxnSpMkLst>
-        </pc:cxnChg>
-        <pc:cxnChg chg="mod topLvl">
-          <ac:chgData name="Ryan Lazaroo" userId="cb2ae2c7-790e-4888-82f8-d25990c1f4ef" providerId="ADAL" clId="{9A7FF2AE-D8CE-4471-B17D-762D8C18AF23}" dt="2023-03-13T10:17:16.880" v="120" actId="164"/>
-          <ac:cxnSpMkLst>
-            <pc:docMk/>
-            <pc:sldMk cId="1166562419" sldId="256"/>
-            <ac:cxnSpMk id="39" creationId="{CBD3F975-E448-8ABA-00C9-777D5C10FC6B}"/>
-          </ac:cxnSpMkLst>
-        </pc:cxnChg>
-        <pc:cxnChg chg="mod topLvl">
-          <ac:chgData name="Ryan Lazaroo" userId="cb2ae2c7-790e-4888-82f8-d25990c1f4ef" providerId="ADAL" clId="{9A7FF2AE-D8CE-4471-B17D-762D8C18AF23}" dt="2023-03-13T10:17:16.880" v="120" actId="164"/>
-          <ac:cxnSpMkLst>
-            <pc:docMk/>
-            <pc:sldMk cId="1166562419" sldId="256"/>
-            <ac:cxnSpMk id="44" creationId="{8E427B8A-A09C-FD42-A235-C307855D719F}"/>
-          </ac:cxnSpMkLst>
-        </pc:cxnChg>
-        <pc:cxnChg chg="add mod">
-          <ac:chgData name="Ryan Lazaroo" userId="cb2ae2c7-790e-4888-82f8-d25990c1f4ef" providerId="ADAL" clId="{9A7FF2AE-D8CE-4471-B17D-762D8C18AF23}" dt="2023-03-13T10:17:16.880" v="120" actId="164"/>
-          <ac:cxnSpMkLst>
-            <pc:docMk/>
-            <pc:sldMk cId="1166562419" sldId="256"/>
-            <ac:cxnSpMk id="47" creationId="{F15D74B2-F4AE-E975-5DFC-ECF4E24A1D37}"/>
-          </ac:cxnSpMkLst>
-        </pc:cxnChg>
-        <pc:cxnChg chg="add mod">
-          <ac:chgData name="Ryan Lazaroo" userId="cb2ae2c7-790e-4888-82f8-d25990c1f4ef" providerId="ADAL" clId="{9A7FF2AE-D8CE-4471-B17D-762D8C18AF23}" dt="2023-03-13T10:17:16.880" v="120" actId="164"/>
-          <ac:cxnSpMkLst>
-            <pc:docMk/>
-            <pc:sldMk cId="1166562419" sldId="256"/>
-            <ac:cxnSpMk id="55" creationId="{B41F6BF2-0A6A-DD4F-177A-E7E8E95B43BF}"/>
-          </ac:cxnSpMkLst>
-        </pc:cxnChg>
-      </pc:sldChg>
-      <pc:sldChg chg="modSp mod">
-        <pc:chgData name="Ryan Lazaroo" userId="cb2ae2c7-790e-4888-82f8-d25990c1f4ef" providerId="ADAL" clId="{9A7FF2AE-D8CE-4471-B17D-762D8C18AF23}" dt="2023-03-14T02:50:24.320" v="846" actId="14100"/>
-        <pc:sldMkLst>
-          <pc:docMk/>
-          <pc:sldMk cId="922882978" sldId="257"/>
-        </pc:sldMkLst>
-        <pc:picChg chg="mod">
-          <ac:chgData name="Ryan Lazaroo" userId="cb2ae2c7-790e-4888-82f8-d25990c1f4ef" providerId="ADAL" clId="{9A7FF2AE-D8CE-4471-B17D-762D8C18AF23}" dt="2023-03-14T02:50:24.320" v="846" actId="14100"/>
-          <ac:picMkLst>
-            <pc:docMk/>
-            <pc:sldMk cId="922882978" sldId="257"/>
-            <ac:picMk id="10" creationId="{E91CD75D-6B5C-499D-A128-C32666306EE8}"/>
-          </ac:picMkLst>
-        </pc:picChg>
-        <pc:picChg chg="mod">
-          <ac:chgData name="Ryan Lazaroo" userId="cb2ae2c7-790e-4888-82f8-d25990c1f4ef" providerId="ADAL" clId="{9A7FF2AE-D8CE-4471-B17D-762D8C18AF23}" dt="2023-03-14T02:41:46.171" v="844" actId="14100"/>
-          <ac:picMkLst>
-            <pc:docMk/>
-            <pc:sldMk cId="922882978" sldId="257"/>
-            <ac:picMk id="13" creationId="{5600B291-6607-446A-8D89-CA67F2B171E9}"/>
-          </ac:picMkLst>
-        </pc:picChg>
-      </pc:sldChg>
-      <pc:sldChg chg="addSp delSp modSp new mod">
-        <pc:chgData name="Ryan Lazaroo" userId="cb2ae2c7-790e-4888-82f8-d25990c1f4ef" providerId="ADAL" clId="{9A7FF2AE-D8CE-4471-B17D-762D8C18AF23}" dt="2023-03-14T03:33:55.627" v="1124" actId="478"/>
-        <pc:sldMkLst>
-          <pc:docMk/>
-          <pc:sldMk cId="4227149872" sldId="258"/>
-        </pc:sldMkLst>
-        <pc:spChg chg="del">
-          <ac:chgData name="Ryan Lazaroo" userId="cb2ae2c7-790e-4888-82f8-d25990c1f4ef" providerId="ADAL" clId="{9A7FF2AE-D8CE-4471-B17D-762D8C18AF23}" dt="2023-03-13T04:51:24.510" v="7" actId="478"/>
-          <ac:spMkLst>
-            <pc:docMk/>
-            <pc:sldMk cId="4227149872" sldId="258"/>
-            <ac:spMk id="2" creationId="{DB92F42B-419D-4544-747C-3AA3131F7844}"/>
-          </ac:spMkLst>
-        </pc:spChg>
-        <pc:spChg chg="del">
-          <ac:chgData name="Ryan Lazaroo" userId="cb2ae2c7-790e-4888-82f8-d25990c1f4ef" providerId="ADAL" clId="{9A7FF2AE-D8CE-4471-B17D-762D8C18AF23}" dt="2023-03-13T04:51:21.413" v="5" actId="478"/>
-          <ac:spMkLst>
-            <pc:docMk/>
-            <pc:sldMk cId="4227149872" sldId="258"/>
-            <ac:spMk id="3" creationId="{6B6D15D0-3E3D-52A9-2A06-F0A9740A4979}"/>
-          </ac:spMkLst>
-        </pc:spChg>
-        <pc:spChg chg="add mod">
-          <ac:chgData name="Ryan Lazaroo" userId="cb2ae2c7-790e-4888-82f8-d25990c1f4ef" providerId="ADAL" clId="{9A7FF2AE-D8CE-4471-B17D-762D8C18AF23}" dt="2023-03-14T03:11:17.165" v="1072" actId="164"/>
-          <ac:spMkLst>
-            <pc:docMk/>
-            <pc:sldMk cId="4227149872" sldId="258"/>
-            <ac:spMk id="5" creationId="{7559F4F3-EA63-4CDF-DF67-41B454ECDEDD}"/>
-          </ac:spMkLst>
-        </pc:spChg>
-        <pc:spChg chg="add mod">
-          <ac:chgData name="Ryan Lazaroo" userId="cb2ae2c7-790e-4888-82f8-d25990c1f4ef" providerId="ADAL" clId="{9A7FF2AE-D8CE-4471-B17D-762D8C18AF23}" dt="2023-03-14T03:11:17.165" v="1072" actId="164"/>
-          <ac:spMkLst>
-            <pc:docMk/>
-            <pc:sldMk cId="4227149872" sldId="258"/>
-            <ac:spMk id="6" creationId="{98427D13-0F37-9420-FBF9-F9AFEDC5FBC1}"/>
-          </ac:spMkLst>
-        </pc:spChg>
-        <pc:spChg chg="add del mod">
-          <ac:chgData name="Ryan Lazaroo" userId="cb2ae2c7-790e-4888-82f8-d25990c1f4ef" providerId="ADAL" clId="{9A7FF2AE-D8CE-4471-B17D-762D8C18AF23}" dt="2023-03-14T01:56:15.769" v="500" actId="478"/>
-          <ac:spMkLst>
-            <pc:docMk/>
-            <pc:sldMk cId="4227149872" sldId="258"/>
-            <ac:spMk id="7" creationId="{4A501DB5-3B2F-6DB0-6FC6-779E40BCCBE2}"/>
-          </ac:spMkLst>
-        </pc:spChg>
-        <pc:spChg chg="add mod">
-          <ac:chgData name="Ryan Lazaroo" userId="cb2ae2c7-790e-4888-82f8-d25990c1f4ef" providerId="ADAL" clId="{9A7FF2AE-D8CE-4471-B17D-762D8C18AF23}" dt="2023-03-14T03:11:17.165" v="1072" actId="164"/>
-          <ac:spMkLst>
-            <pc:docMk/>
-            <pc:sldMk cId="4227149872" sldId="258"/>
-            <ac:spMk id="9" creationId="{C814E78C-43A4-5704-F428-16D192C617C5}"/>
-          </ac:spMkLst>
-        </pc:spChg>
-        <pc:spChg chg="add del mod">
-          <ac:chgData name="Ryan Lazaroo" userId="cb2ae2c7-790e-4888-82f8-d25990c1f4ef" providerId="ADAL" clId="{9A7FF2AE-D8CE-4471-B17D-762D8C18AF23}" dt="2023-03-14T01:52:33.521" v="395" actId="478"/>
-          <ac:spMkLst>
-            <pc:docMk/>
-            <pc:sldMk cId="4227149872" sldId="258"/>
-            <ac:spMk id="10" creationId="{596BB520-A4A5-BCDB-0C2C-01CFDC6A32D2}"/>
-          </ac:spMkLst>
-        </pc:spChg>
-        <pc:spChg chg="add del mod">
-          <ac:chgData name="Ryan Lazaroo" userId="cb2ae2c7-790e-4888-82f8-d25990c1f4ef" providerId="ADAL" clId="{9A7FF2AE-D8CE-4471-B17D-762D8C18AF23}" dt="2023-03-13T10:32:22.078" v="265" actId="478"/>
-          <ac:spMkLst>
-            <pc:docMk/>
-            <pc:sldMk cId="4227149872" sldId="258"/>
-            <ac:spMk id="10" creationId="{AC871207-EE11-78F1-1D1B-3DBF2ECA2784}"/>
-          </ac:spMkLst>
-        </pc:spChg>
-        <pc:spChg chg="add mod">
-          <ac:chgData name="Ryan Lazaroo" userId="cb2ae2c7-790e-4888-82f8-d25990c1f4ef" providerId="ADAL" clId="{9A7FF2AE-D8CE-4471-B17D-762D8C18AF23}" dt="2023-03-14T03:11:17.165" v="1072" actId="164"/>
-          <ac:spMkLst>
-            <pc:docMk/>
-            <pc:sldMk cId="4227149872" sldId="258"/>
-            <ac:spMk id="11" creationId="{74BB84B6-4A85-0547-7356-6EFAFA089C2E}"/>
-          </ac:spMkLst>
-        </pc:spChg>
-        <pc:spChg chg="add mod">
-          <ac:chgData name="Ryan Lazaroo" userId="cb2ae2c7-790e-4888-82f8-d25990c1f4ef" providerId="ADAL" clId="{9A7FF2AE-D8CE-4471-B17D-762D8C18AF23}" dt="2023-03-14T03:11:17.165" v="1072" actId="164"/>
-          <ac:spMkLst>
-            <pc:docMk/>
-            <pc:sldMk cId="4227149872" sldId="258"/>
-            <ac:spMk id="12" creationId="{1D8C6CC3-5514-29E5-B3EA-66EB1124FAA9}"/>
-          </ac:spMkLst>
-        </pc:spChg>
-        <pc:spChg chg="add del mod">
-          <ac:chgData name="Ryan Lazaroo" userId="cb2ae2c7-790e-4888-82f8-d25990c1f4ef" providerId="ADAL" clId="{9A7FF2AE-D8CE-4471-B17D-762D8C18AF23}" dt="2023-03-14T01:56:24.905" v="504" actId="478"/>
-          <ac:spMkLst>
-            <pc:docMk/>
-            <pc:sldMk cId="4227149872" sldId="258"/>
-            <ac:spMk id="13" creationId="{2DFD19CD-9B8F-5698-0CB5-E9BEAB8A3A9B}"/>
-          </ac:spMkLst>
-        </pc:spChg>
-        <pc:spChg chg="add del mod">
-          <ac:chgData name="Ryan Lazaroo" userId="cb2ae2c7-790e-4888-82f8-d25990c1f4ef" providerId="ADAL" clId="{9A7FF2AE-D8CE-4471-B17D-762D8C18AF23}" dt="2023-03-14T01:56:25.584" v="505" actId="478"/>
-          <ac:spMkLst>
-            <pc:docMk/>
-            <pc:sldMk cId="4227149872" sldId="258"/>
-            <ac:spMk id="14" creationId="{D1390664-1637-C3FD-1636-07085EEDA84A}"/>
-          </ac:spMkLst>
-        </pc:spChg>
-        <pc:spChg chg="add del mod">
-          <ac:chgData name="Ryan Lazaroo" userId="cb2ae2c7-790e-4888-82f8-d25990c1f4ef" providerId="ADAL" clId="{9A7FF2AE-D8CE-4471-B17D-762D8C18AF23}" dt="2023-03-14T01:56:26.392" v="506" actId="478"/>
-          <ac:spMkLst>
-            <pc:docMk/>
-            <pc:sldMk cId="4227149872" sldId="258"/>
-            <ac:spMk id="15" creationId="{1E4088CA-16B1-3169-50AE-0104260A31F6}"/>
-          </ac:spMkLst>
-        </pc:spChg>
-        <pc:spChg chg="add mod">
-          <ac:chgData name="Ryan Lazaroo" userId="cb2ae2c7-790e-4888-82f8-d25990c1f4ef" providerId="ADAL" clId="{9A7FF2AE-D8CE-4471-B17D-762D8C18AF23}" dt="2023-03-14T03:31:22.624" v="1076" actId="20577"/>
-          <ac:spMkLst>
-            <pc:docMk/>
-            <pc:sldMk cId="4227149872" sldId="258"/>
-            <ac:spMk id="16" creationId="{DB55CAE4-A947-1A0E-342B-82D106B54C25}"/>
-          </ac:spMkLst>
-        </pc:spChg>
-        <pc:spChg chg="add mod">
-          <ac:chgData name="Ryan Lazaroo" userId="cb2ae2c7-790e-4888-82f8-d25990c1f4ef" providerId="ADAL" clId="{9A7FF2AE-D8CE-4471-B17D-762D8C18AF23}" dt="2023-03-14T03:11:17.165" v="1072" actId="164"/>
-          <ac:spMkLst>
-            <pc:docMk/>
-            <pc:sldMk cId="4227149872" sldId="258"/>
-            <ac:spMk id="17" creationId="{FB23445A-2C5D-D177-A969-B461878C9950}"/>
-          </ac:spMkLst>
-        </pc:spChg>
-        <pc:spChg chg="add mod">
-          <ac:chgData name="Ryan Lazaroo" userId="cb2ae2c7-790e-4888-82f8-d25990c1f4ef" providerId="ADAL" clId="{9A7FF2AE-D8CE-4471-B17D-762D8C18AF23}" dt="2023-03-14T03:11:17.165" v="1072" actId="164"/>
-          <ac:spMkLst>
-            <pc:docMk/>
-            <pc:sldMk cId="4227149872" sldId="258"/>
-            <ac:spMk id="18" creationId="{88FBC611-2137-22F3-338B-652B9879A843}"/>
-          </ac:spMkLst>
-        </pc:spChg>
-        <pc:spChg chg="add mod">
-          <ac:chgData name="Ryan Lazaroo" userId="cb2ae2c7-790e-4888-82f8-d25990c1f4ef" providerId="ADAL" clId="{9A7FF2AE-D8CE-4471-B17D-762D8C18AF23}" dt="2023-03-14T03:11:17.165" v="1072" actId="164"/>
-          <ac:spMkLst>
-            <pc:docMk/>
-            <pc:sldMk cId="4227149872" sldId="258"/>
-            <ac:spMk id="19" creationId="{C616A06C-A6DF-8FB3-CE94-4753AFE9AE0A}"/>
-          </ac:spMkLst>
-        </pc:spChg>
-        <pc:spChg chg="add mod">
-          <ac:chgData name="Ryan Lazaroo" userId="cb2ae2c7-790e-4888-82f8-d25990c1f4ef" providerId="ADAL" clId="{9A7FF2AE-D8CE-4471-B17D-762D8C18AF23}" dt="2023-03-14T03:11:17.165" v="1072" actId="164"/>
-          <ac:spMkLst>
-            <pc:docMk/>
-            <pc:sldMk cId="4227149872" sldId="258"/>
-            <ac:spMk id="20" creationId="{7C336164-4D57-6D2F-8E96-7E72DA33D5AF}"/>
-          </ac:spMkLst>
-        </pc:spChg>
-        <pc:spChg chg="add mod">
-          <ac:chgData name="Ryan Lazaroo" userId="cb2ae2c7-790e-4888-82f8-d25990c1f4ef" providerId="ADAL" clId="{9A7FF2AE-D8CE-4471-B17D-762D8C18AF23}" dt="2023-03-14T03:11:17.165" v="1072" actId="164"/>
-          <ac:spMkLst>
-            <pc:docMk/>
-            <pc:sldMk cId="4227149872" sldId="258"/>
-            <ac:spMk id="22" creationId="{D831FC78-13FD-E4D4-5BFF-F5F13236E5E8}"/>
-          </ac:spMkLst>
-        </pc:spChg>
-        <pc:spChg chg="add mod">
-          <ac:chgData name="Ryan Lazaroo" userId="cb2ae2c7-790e-4888-82f8-d25990c1f4ef" providerId="ADAL" clId="{9A7FF2AE-D8CE-4471-B17D-762D8C18AF23}" dt="2023-03-14T03:11:17.165" v="1072" actId="164"/>
-          <ac:spMkLst>
-            <pc:docMk/>
-            <pc:sldMk cId="4227149872" sldId="258"/>
-            <ac:spMk id="23" creationId="{B793033C-5653-225E-EA05-B1A65EC431E6}"/>
-          </ac:spMkLst>
-        </pc:spChg>
-        <pc:spChg chg="add mod">
-          <ac:chgData name="Ryan Lazaroo" userId="cb2ae2c7-790e-4888-82f8-d25990c1f4ef" providerId="ADAL" clId="{9A7FF2AE-D8CE-4471-B17D-762D8C18AF23}" dt="2023-03-14T03:11:17.165" v="1072" actId="164"/>
-          <ac:spMkLst>
-            <pc:docMk/>
-            <pc:sldMk cId="4227149872" sldId="258"/>
-            <ac:spMk id="24" creationId="{12103DFE-0441-8E0A-1168-73469EC7F88B}"/>
-          </ac:spMkLst>
-        </pc:spChg>
-        <pc:spChg chg="mod">
-          <ac:chgData name="Ryan Lazaroo" userId="cb2ae2c7-790e-4888-82f8-d25990c1f4ef" providerId="ADAL" clId="{9A7FF2AE-D8CE-4471-B17D-762D8C18AF23}" dt="2023-03-14T03:08:39.514" v="964"/>
-          <ac:spMkLst>
-            <pc:docMk/>
-            <pc:sldMk cId="4227149872" sldId="258"/>
-            <ac:spMk id="31" creationId="{988A466D-EA9E-AEF5-669A-2D626A4885D5}"/>
-          </ac:spMkLst>
-        </pc:spChg>
-        <pc:spChg chg="mod">
-          <ac:chgData name="Ryan Lazaroo" userId="cb2ae2c7-790e-4888-82f8-d25990c1f4ef" providerId="ADAL" clId="{9A7FF2AE-D8CE-4471-B17D-762D8C18AF23}" dt="2023-03-14T03:08:39.514" v="964"/>
-          <ac:spMkLst>
-            <pc:docMk/>
-            <pc:sldMk cId="4227149872" sldId="258"/>
-            <ac:spMk id="32" creationId="{262D1DCF-3D09-E2D4-6FF7-9C80CC45CCB1}"/>
-          </ac:spMkLst>
-        </pc:spChg>
-        <pc:spChg chg="mod">
-          <ac:chgData name="Ryan Lazaroo" userId="cb2ae2c7-790e-4888-82f8-d25990c1f4ef" providerId="ADAL" clId="{9A7FF2AE-D8CE-4471-B17D-762D8C18AF23}" dt="2023-03-14T03:08:39.514" v="964"/>
-          <ac:spMkLst>
-            <pc:docMk/>
-            <pc:sldMk cId="4227149872" sldId="258"/>
-            <ac:spMk id="33" creationId="{01E7C1C7-A8A5-2B15-69A3-836D5DD62122}"/>
-          </ac:spMkLst>
-        </pc:spChg>
-        <pc:spChg chg="mod">
-          <ac:chgData name="Ryan Lazaroo" userId="cb2ae2c7-790e-4888-82f8-d25990c1f4ef" providerId="ADAL" clId="{9A7FF2AE-D8CE-4471-B17D-762D8C18AF23}" dt="2023-03-14T03:08:39.514" v="964"/>
-          <ac:spMkLst>
-            <pc:docMk/>
-            <pc:sldMk cId="4227149872" sldId="258"/>
-            <ac:spMk id="34" creationId="{CF1D7B8A-746F-7B95-A95F-12D41E169915}"/>
-          </ac:spMkLst>
-        </pc:spChg>
-        <pc:spChg chg="add mod">
-          <ac:chgData name="Ryan Lazaroo" userId="cb2ae2c7-790e-4888-82f8-d25990c1f4ef" providerId="ADAL" clId="{9A7FF2AE-D8CE-4471-B17D-762D8C18AF23}" dt="2023-03-14T03:33:43.614" v="1122" actId="164"/>
-          <ac:spMkLst>
-            <pc:docMk/>
-            <pc:sldMk cId="4227149872" sldId="258"/>
-            <ac:spMk id="41" creationId="{1AD56A01-DB84-8839-9A2C-68D1C880DC2D}"/>
-          </ac:spMkLst>
-        </pc:spChg>
-        <pc:grpChg chg="add del mod">
-          <ac:chgData name="Ryan Lazaroo" userId="cb2ae2c7-790e-4888-82f8-d25990c1f4ef" providerId="ADAL" clId="{9A7FF2AE-D8CE-4471-B17D-762D8C18AF23}" dt="2023-03-14T03:09:06.014" v="976"/>
-          <ac:grpSpMkLst>
-            <pc:docMk/>
-            <pc:sldMk cId="4227149872" sldId="258"/>
-            <ac:grpSpMk id="25" creationId="{7DAB6819-DEF5-9E8E-8447-C0880E870B08}"/>
-          </ac:grpSpMkLst>
-        </pc:grpChg>
-        <pc:grpChg chg="add mod">
-          <ac:chgData name="Ryan Lazaroo" userId="cb2ae2c7-790e-4888-82f8-d25990c1f4ef" providerId="ADAL" clId="{9A7FF2AE-D8CE-4471-B17D-762D8C18AF23}" dt="2023-03-14T03:33:43.614" v="1122" actId="164"/>
-          <ac:grpSpMkLst>
-            <pc:docMk/>
-            <pc:sldMk cId="4227149872" sldId="258"/>
-            <ac:grpSpMk id="36" creationId="{336998AD-5643-EA95-86F2-BEAE04A06EA9}"/>
-          </ac:grpSpMkLst>
-        </pc:grpChg>
-        <pc:grpChg chg="add mod">
-          <ac:chgData name="Ryan Lazaroo" userId="cb2ae2c7-790e-4888-82f8-d25990c1f4ef" providerId="ADAL" clId="{9A7FF2AE-D8CE-4471-B17D-762D8C18AF23}" dt="2023-03-14T03:33:43.614" v="1122" actId="164"/>
-          <ac:grpSpMkLst>
-            <pc:docMk/>
-            <pc:sldMk cId="4227149872" sldId="258"/>
-            <ac:grpSpMk id="42" creationId="{C0364927-46FF-E187-88DC-8D0A2E18AF41}"/>
-          </ac:grpSpMkLst>
-        </pc:grpChg>
-        <pc:picChg chg="add del mod">
-          <ac:chgData name="Ryan Lazaroo" userId="cb2ae2c7-790e-4888-82f8-d25990c1f4ef" providerId="ADAL" clId="{9A7FF2AE-D8CE-4471-B17D-762D8C18AF23}" dt="2023-03-14T02:09:59.845" v="511" actId="478"/>
-          <ac:picMkLst>
-            <pc:docMk/>
-            <pc:sldMk cId="4227149872" sldId="258"/>
-            <ac:picMk id="2" creationId="{899084CC-7E19-C459-F162-FD050385874D}"/>
-          </ac:picMkLst>
-        </pc:picChg>
-        <pc:picChg chg="add del mod">
-          <ac:chgData name="Ryan Lazaroo" userId="cb2ae2c7-790e-4888-82f8-d25990c1f4ef" providerId="ADAL" clId="{9A7FF2AE-D8CE-4471-B17D-762D8C18AF23}" dt="2023-03-14T01:46:21.260" v="305" actId="478"/>
-          <ac:picMkLst>
-            <pc:docMk/>
-            <pc:sldMk cId="4227149872" sldId="258"/>
-            <ac:picMk id="3" creationId="{29B9F26A-2A42-7AAC-1859-D72754882D46}"/>
-          </ac:picMkLst>
-        </pc:picChg>
-        <pc:picChg chg="add del mod modCrop">
-          <ac:chgData name="Ryan Lazaroo" userId="cb2ae2c7-790e-4888-82f8-d25990c1f4ef" providerId="ADAL" clId="{9A7FF2AE-D8CE-4471-B17D-762D8C18AF23}" dt="2023-03-14T03:09:23.449" v="981" actId="478"/>
-          <ac:picMkLst>
-            <pc:docMk/>
-            <pc:sldMk cId="4227149872" sldId="258"/>
-            <ac:picMk id="4" creationId="{2723491B-7E85-ADB7-D19D-8D87854F41EF}"/>
-          </ac:picMkLst>
-        </pc:picChg>
-        <pc:picChg chg="add mod">
-          <ac:chgData name="Ryan Lazaroo" userId="cb2ae2c7-790e-4888-82f8-d25990c1f4ef" providerId="ADAL" clId="{9A7FF2AE-D8CE-4471-B17D-762D8C18AF23}" dt="2023-03-14T03:11:17.165" v="1072" actId="164"/>
-          <ac:picMkLst>
-            <pc:docMk/>
-            <pc:sldMk cId="4227149872" sldId="258"/>
-            <ac:picMk id="8" creationId="{683AF0B1-E93D-9EBB-DAD6-4E956F6C2447}"/>
-          </ac:picMkLst>
-        </pc:picChg>
-        <pc:picChg chg="add mod">
-          <ac:chgData name="Ryan Lazaroo" userId="cb2ae2c7-790e-4888-82f8-d25990c1f4ef" providerId="ADAL" clId="{9A7FF2AE-D8CE-4471-B17D-762D8C18AF23}" dt="2023-03-14T03:11:17.165" v="1072" actId="164"/>
-          <ac:picMkLst>
-            <pc:docMk/>
-            <pc:sldMk cId="4227149872" sldId="258"/>
-            <ac:picMk id="21" creationId="{D693045B-773C-8EF7-E63F-CCA2C287926C}"/>
-          </ac:picMkLst>
-        </pc:picChg>
-        <pc:picChg chg="mod">
-          <ac:chgData name="Ryan Lazaroo" userId="cb2ae2c7-790e-4888-82f8-d25990c1f4ef" providerId="ADAL" clId="{9A7FF2AE-D8CE-4471-B17D-762D8C18AF23}" dt="2023-03-14T03:08:39.514" v="964"/>
-          <ac:picMkLst>
-            <pc:docMk/>
-            <pc:sldMk cId="4227149872" sldId="258"/>
-            <ac:picMk id="26" creationId="{E6A4BD3C-E73D-AF6B-428C-586AEF8155E4}"/>
-          </ac:picMkLst>
-        </pc:picChg>
-        <pc:picChg chg="add mod">
-          <ac:chgData name="Ryan Lazaroo" userId="cb2ae2c7-790e-4888-82f8-d25990c1f4ef" providerId="ADAL" clId="{9A7FF2AE-D8CE-4471-B17D-762D8C18AF23}" dt="2023-03-14T03:11:17.165" v="1072" actId="164"/>
-          <ac:picMkLst>
-            <pc:docMk/>
-            <pc:sldMk cId="4227149872" sldId="258"/>
-            <ac:picMk id="35" creationId="{EA288C35-A54F-7344-1CDC-DFF9F115615C}"/>
-          </ac:picMkLst>
-        </pc:picChg>
-        <pc:picChg chg="add del mod">
-          <ac:chgData name="Ryan Lazaroo" userId="cb2ae2c7-790e-4888-82f8-d25990c1f4ef" providerId="ADAL" clId="{9A7FF2AE-D8CE-4471-B17D-762D8C18AF23}" dt="2023-03-14T03:11:55.521" v="1075" actId="478"/>
-          <ac:picMkLst>
-            <pc:docMk/>
-            <pc:sldMk cId="4227149872" sldId="258"/>
-            <ac:picMk id="37" creationId="{FE5330C4-21B5-3CDA-8160-9C955CB07A69}"/>
-          </ac:picMkLst>
-        </pc:picChg>
-        <pc:picChg chg="add del">
-          <ac:chgData name="Ryan Lazaroo" userId="cb2ae2c7-790e-4888-82f8-d25990c1f4ef" providerId="ADAL" clId="{9A7FF2AE-D8CE-4471-B17D-762D8C18AF23}" dt="2023-03-14T03:31:30.825" v="1078" actId="22"/>
-          <ac:picMkLst>
-            <pc:docMk/>
-            <pc:sldMk cId="4227149872" sldId="258"/>
-            <ac:picMk id="39" creationId="{A0E60EE1-3712-959A-B69B-886B43BFCD09}"/>
-          </ac:picMkLst>
-        </pc:picChg>
-        <pc:picChg chg="add del">
-          <ac:chgData name="Ryan Lazaroo" userId="cb2ae2c7-790e-4888-82f8-d25990c1f4ef" providerId="ADAL" clId="{9A7FF2AE-D8CE-4471-B17D-762D8C18AF23}" dt="2023-03-14T03:31:48.663" v="1080" actId="478"/>
-          <ac:picMkLst>
-            <pc:docMk/>
-            <pc:sldMk cId="4227149872" sldId="258"/>
-            <ac:picMk id="40" creationId="{F9B9F8B2-95D5-DDFA-26FD-AE4DE975E149}"/>
-          </ac:picMkLst>
-        </pc:picChg>
-        <pc:picChg chg="add del">
-          <ac:chgData name="Ryan Lazaroo" userId="cb2ae2c7-790e-4888-82f8-d25990c1f4ef" providerId="ADAL" clId="{9A7FF2AE-D8CE-4471-B17D-762D8C18AF23}" dt="2023-03-14T03:33:55.627" v="1124" actId="478"/>
-          <ac:picMkLst>
-            <pc:docMk/>
-            <pc:sldMk cId="4227149872" sldId="258"/>
-            <ac:picMk id="43" creationId="{5E1D0E1A-3FA7-4AEA-CAAB-63E6F853A65D}"/>
-          </ac:picMkLst>
-        </pc:picChg>
-        <pc:cxnChg chg="mod">
-          <ac:chgData name="Ryan Lazaroo" userId="cb2ae2c7-790e-4888-82f8-d25990c1f4ef" providerId="ADAL" clId="{9A7FF2AE-D8CE-4471-B17D-762D8C18AF23}" dt="2023-03-14T03:08:39.514" v="964"/>
-          <ac:cxnSpMkLst>
-            <pc:docMk/>
-            <pc:sldMk cId="4227149872" sldId="258"/>
-            <ac:cxnSpMk id="27" creationId="{D4B83AA1-5C5A-B8B1-48C3-DDFA7B36804F}"/>
-          </ac:cxnSpMkLst>
-        </pc:cxnChg>
-        <pc:cxnChg chg="mod">
-          <ac:chgData name="Ryan Lazaroo" userId="cb2ae2c7-790e-4888-82f8-d25990c1f4ef" providerId="ADAL" clId="{9A7FF2AE-D8CE-4471-B17D-762D8C18AF23}" dt="2023-03-14T03:08:39.514" v="964"/>
-          <ac:cxnSpMkLst>
-            <pc:docMk/>
-            <pc:sldMk cId="4227149872" sldId="258"/>
-            <ac:cxnSpMk id="28" creationId="{6F4138D5-79F9-F6A5-6089-02ACDB565EEF}"/>
-          </ac:cxnSpMkLst>
-        </pc:cxnChg>
-        <pc:cxnChg chg="mod">
-          <ac:chgData name="Ryan Lazaroo" userId="cb2ae2c7-790e-4888-82f8-d25990c1f4ef" providerId="ADAL" clId="{9A7FF2AE-D8CE-4471-B17D-762D8C18AF23}" dt="2023-03-14T03:08:39.514" v="964"/>
-          <ac:cxnSpMkLst>
-            <pc:docMk/>
-            <pc:sldMk cId="4227149872" sldId="258"/>
-            <ac:cxnSpMk id="29" creationId="{E2BF75F1-4DC3-1BCF-12AC-0C9DDA663CDA}"/>
-          </ac:cxnSpMkLst>
-        </pc:cxnChg>
-        <pc:cxnChg chg="mod">
-          <ac:chgData name="Ryan Lazaroo" userId="cb2ae2c7-790e-4888-82f8-d25990c1f4ef" providerId="ADAL" clId="{9A7FF2AE-D8CE-4471-B17D-762D8C18AF23}" dt="2023-03-14T03:08:39.514" v="964"/>
-          <ac:cxnSpMkLst>
-            <pc:docMk/>
-            <pc:sldMk cId="4227149872" sldId="258"/>
-            <ac:cxnSpMk id="30" creationId="{9D49E1F7-7177-BDD6-1090-98EAE3F0E2F9}"/>
-          </ac:cxnSpMkLst>
-        </pc:cxnChg>
-      </pc:sldChg>
-      <pc:sldChg chg="addSp delSp modSp new del mod">
-        <pc:chgData name="Ryan Lazaroo" userId="cb2ae2c7-790e-4888-82f8-d25990c1f4ef" providerId="ADAL" clId="{9A7FF2AE-D8CE-4471-B17D-762D8C18AF23}" dt="2023-03-13T09:17:55.587" v="25" actId="2696"/>
-        <pc:sldMkLst>
-          <pc:docMk/>
-          <pc:sldMk cId="719356717" sldId="259"/>
-        </pc:sldMkLst>
-        <pc:spChg chg="del">
-          <ac:chgData name="Ryan Lazaroo" userId="cb2ae2c7-790e-4888-82f8-d25990c1f4ef" providerId="ADAL" clId="{9A7FF2AE-D8CE-4471-B17D-762D8C18AF23}" dt="2023-03-13T09:16:55.725" v="19" actId="478"/>
-          <ac:spMkLst>
-            <pc:docMk/>
-            <pc:sldMk cId="719356717" sldId="259"/>
-            <ac:spMk id="2" creationId="{9D9EE913-1EF1-6B5D-B4D7-D93709DF9B12}"/>
-          </ac:spMkLst>
-        </pc:spChg>
-        <pc:spChg chg="del">
-          <ac:chgData name="Ryan Lazaroo" userId="cb2ae2c7-790e-4888-82f8-d25990c1f4ef" providerId="ADAL" clId="{9A7FF2AE-D8CE-4471-B17D-762D8C18AF23}" dt="2023-03-13T09:16:54.997" v="18" actId="478"/>
-          <ac:spMkLst>
-            <pc:docMk/>
-            <pc:sldMk cId="719356717" sldId="259"/>
-            <ac:spMk id="3" creationId="{AAC2CC77-22B7-0EC3-A75C-13B9CAA9967C}"/>
-          </ac:spMkLst>
-        </pc:spChg>
-        <pc:picChg chg="add del mod modCrop">
-          <ac:chgData name="Ryan Lazaroo" userId="cb2ae2c7-790e-4888-82f8-d25990c1f4ef" providerId="ADAL" clId="{9A7FF2AE-D8CE-4471-B17D-762D8C18AF23}" dt="2023-03-13T09:17:48.006" v="24" actId="478"/>
-          <ac:picMkLst>
-            <pc:docMk/>
-            <pc:sldMk cId="719356717" sldId="259"/>
-            <ac:picMk id="4" creationId="{4B739BDC-1E8B-5772-D857-F6F56681FBB7}"/>
-          </ac:picMkLst>
-        </pc:picChg>
-      </pc:sldChg>
-      <pc:sldChg chg="addSp delSp modSp new mod ord">
-        <pc:chgData name="Ryan Lazaroo" userId="cb2ae2c7-790e-4888-82f8-d25990c1f4ef" providerId="ADAL" clId="{9A7FF2AE-D8CE-4471-B17D-762D8C18AF23}" dt="2023-03-14T03:08:06.889" v="962" actId="164"/>
-        <pc:sldMkLst>
-          <pc:docMk/>
-          <pc:sldMk cId="1259443832" sldId="259"/>
-        </pc:sldMkLst>
-        <pc:spChg chg="del">
-          <ac:chgData name="Ryan Lazaroo" userId="cb2ae2c7-790e-4888-82f8-d25990c1f4ef" providerId="ADAL" clId="{9A7FF2AE-D8CE-4471-B17D-762D8C18AF23}" dt="2023-03-14T03:02:26.791" v="851" actId="478"/>
-          <ac:spMkLst>
-            <pc:docMk/>
-            <pc:sldMk cId="1259443832" sldId="259"/>
-            <ac:spMk id="2" creationId="{B3AF767D-E126-9F7C-E109-6D9F5825FB34}"/>
-          </ac:spMkLst>
-        </pc:spChg>
-        <pc:spChg chg="del">
-          <ac:chgData name="Ryan Lazaroo" userId="cb2ae2c7-790e-4888-82f8-d25990c1f4ef" providerId="ADAL" clId="{9A7FF2AE-D8CE-4471-B17D-762D8C18AF23}" dt="2023-03-14T03:02:24.882" v="850" actId="478"/>
-          <ac:spMkLst>
-            <pc:docMk/>
-            <pc:sldMk cId="1259443832" sldId="259"/>
-            <ac:spMk id="3" creationId="{D557ADE8-5C58-B6ED-FC71-8B80E2A46CAA}"/>
-          </ac:spMkLst>
-        </pc:spChg>
-        <pc:spChg chg="add mod">
-          <ac:chgData name="Ryan Lazaroo" userId="cb2ae2c7-790e-4888-82f8-d25990c1f4ef" providerId="ADAL" clId="{9A7FF2AE-D8CE-4471-B17D-762D8C18AF23}" dt="2023-03-14T03:08:06.889" v="962" actId="164"/>
-          <ac:spMkLst>
-            <pc:docMk/>
-            <pc:sldMk cId="1259443832" sldId="259"/>
-            <ac:spMk id="20" creationId="{D1659C3C-366C-7AED-13C0-DD96C766DD3E}"/>
-          </ac:spMkLst>
-        </pc:spChg>
-        <pc:spChg chg="add mod">
-          <ac:chgData name="Ryan Lazaroo" userId="cb2ae2c7-790e-4888-82f8-d25990c1f4ef" providerId="ADAL" clId="{9A7FF2AE-D8CE-4471-B17D-762D8C18AF23}" dt="2023-03-14T03:08:06.889" v="962" actId="164"/>
-          <ac:spMkLst>
-            <pc:docMk/>
-            <pc:sldMk cId="1259443832" sldId="259"/>
-            <ac:spMk id="21" creationId="{5E7CAB70-B1E0-C4EA-8DBB-DD1021A017E3}"/>
-          </ac:spMkLst>
-        </pc:spChg>
-        <pc:spChg chg="add mod">
-          <ac:chgData name="Ryan Lazaroo" userId="cb2ae2c7-790e-4888-82f8-d25990c1f4ef" providerId="ADAL" clId="{9A7FF2AE-D8CE-4471-B17D-762D8C18AF23}" dt="2023-03-14T03:08:06.889" v="962" actId="164"/>
-          <ac:spMkLst>
-            <pc:docMk/>
-            <pc:sldMk cId="1259443832" sldId="259"/>
-            <ac:spMk id="22" creationId="{1B3C30D4-7663-6FA4-39F6-A83AE37B80D1}"/>
-          </ac:spMkLst>
-        </pc:spChg>
-        <pc:spChg chg="add mod">
-          <ac:chgData name="Ryan Lazaroo" userId="cb2ae2c7-790e-4888-82f8-d25990c1f4ef" providerId="ADAL" clId="{9A7FF2AE-D8CE-4471-B17D-762D8C18AF23}" dt="2023-03-14T03:08:06.889" v="962" actId="164"/>
-          <ac:spMkLst>
-            <pc:docMk/>
-            <pc:sldMk cId="1259443832" sldId="259"/>
-            <ac:spMk id="23" creationId="{7671A1E1-2330-61D9-006C-3520E7E5CD78}"/>
-          </ac:spMkLst>
-        </pc:spChg>
-        <pc:grpChg chg="add mod">
-          <ac:chgData name="Ryan Lazaroo" userId="cb2ae2c7-790e-4888-82f8-d25990c1f4ef" providerId="ADAL" clId="{9A7FF2AE-D8CE-4471-B17D-762D8C18AF23}" dt="2023-03-14T03:08:06.889" v="962" actId="164"/>
-          <ac:grpSpMkLst>
-            <pc:docMk/>
-            <pc:sldMk cId="1259443832" sldId="259"/>
-            <ac:grpSpMk id="24" creationId="{F9D7ED5E-F7CD-9A83-DB9D-534292C41C69}"/>
-          </ac:grpSpMkLst>
-        </pc:grpChg>
-        <pc:picChg chg="add del mod">
-          <ac:chgData name="Ryan Lazaroo" userId="cb2ae2c7-790e-4888-82f8-d25990c1f4ef" providerId="ADAL" clId="{9A7FF2AE-D8CE-4471-B17D-762D8C18AF23}" dt="2023-03-14T03:03:11.758" v="861" actId="478"/>
-          <ac:picMkLst>
-            <pc:docMk/>
-            <pc:sldMk cId="1259443832" sldId="259"/>
-            <ac:picMk id="4" creationId="{925F71BE-AF05-03BD-1C50-36D45C9B5EA4}"/>
-          </ac:picMkLst>
-        </pc:picChg>
-        <pc:picChg chg="add mod">
-          <ac:chgData name="Ryan Lazaroo" userId="cb2ae2c7-790e-4888-82f8-d25990c1f4ef" providerId="ADAL" clId="{9A7FF2AE-D8CE-4471-B17D-762D8C18AF23}" dt="2023-03-14T03:08:06.889" v="962" actId="164"/>
-          <ac:picMkLst>
-            <pc:docMk/>
-            <pc:sldMk cId="1259443832" sldId="259"/>
-            <ac:picMk id="8" creationId="{647D88F9-200C-D12D-1E5F-0584C704FDC8}"/>
-          </ac:picMkLst>
-        </pc:picChg>
-        <pc:cxnChg chg="add del mod">
-          <ac:chgData name="Ryan Lazaroo" userId="cb2ae2c7-790e-4888-82f8-d25990c1f4ef" providerId="ADAL" clId="{9A7FF2AE-D8CE-4471-B17D-762D8C18AF23}" dt="2023-03-14T03:03:13.119" v="862" actId="478"/>
-          <ac:cxnSpMkLst>
-            <pc:docMk/>
-            <pc:sldMk cId="1259443832" sldId="259"/>
-            <ac:cxnSpMk id="6" creationId="{856163C5-1CE3-45B0-40B2-17A460D50120}"/>
-          </ac:cxnSpMkLst>
-        </pc:cxnChg>
-        <pc:cxnChg chg="add mod">
-          <ac:chgData name="Ryan Lazaroo" userId="cb2ae2c7-790e-4888-82f8-d25990c1f4ef" providerId="ADAL" clId="{9A7FF2AE-D8CE-4471-B17D-762D8C18AF23}" dt="2023-03-14T03:08:06.889" v="962" actId="164"/>
-          <ac:cxnSpMkLst>
-            <pc:docMk/>
-            <pc:sldMk cId="1259443832" sldId="259"/>
-            <ac:cxnSpMk id="10" creationId="{F92034B2-BD11-A7F5-C2DC-8AA3DC0EA1CB}"/>
-          </ac:cxnSpMkLst>
-        </pc:cxnChg>
-        <pc:cxnChg chg="add mod">
-          <ac:chgData name="Ryan Lazaroo" userId="cb2ae2c7-790e-4888-82f8-d25990c1f4ef" providerId="ADAL" clId="{9A7FF2AE-D8CE-4471-B17D-762D8C18AF23}" dt="2023-03-14T03:08:06.889" v="962" actId="164"/>
-          <ac:cxnSpMkLst>
-            <pc:docMk/>
-            <pc:sldMk cId="1259443832" sldId="259"/>
-            <ac:cxnSpMk id="12" creationId="{05C93AB9-F434-62FC-CA7C-3FE2F2A97A31}"/>
-          </ac:cxnSpMkLst>
-        </pc:cxnChg>
-        <pc:cxnChg chg="add mod">
-          <ac:chgData name="Ryan Lazaroo" userId="cb2ae2c7-790e-4888-82f8-d25990c1f4ef" providerId="ADAL" clId="{9A7FF2AE-D8CE-4471-B17D-762D8C18AF23}" dt="2023-03-14T03:08:06.889" v="962" actId="164"/>
-          <ac:cxnSpMkLst>
-            <pc:docMk/>
-            <pc:sldMk cId="1259443832" sldId="259"/>
-            <ac:cxnSpMk id="15" creationId="{2C111358-9F7F-3A71-007E-C012B392F679}"/>
-          </ac:cxnSpMkLst>
-        </pc:cxnChg>
-        <pc:cxnChg chg="add mod">
-          <ac:chgData name="Ryan Lazaroo" userId="cb2ae2c7-790e-4888-82f8-d25990c1f4ef" providerId="ADAL" clId="{9A7FF2AE-D8CE-4471-B17D-762D8C18AF23}" dt="2023-03-14T03:08:06.889" v="962" actId="164"/>
-          <ac:cxnSpMkLst>
-            <pc:docMk/>
-            <pc:sldMk cId="1259443832" sldId="259"/>
-            <ac:cxnSpMk id="18" creationId="{1C54260A-CD25-DDF1-7091-BD2035BE9DDC}"/>
-          </ac:cxnSpMkLst>
-        </pc:cxnChg>
       </pc:sldChg>
     </pc:docChg>
   </pc:docChgLst>
@@ -1496,7 +1496,7 @@
           <a:p>
             <a:fld id="{618D2BDA-870A-4BD3-9F2C-7627D24A0593}" type="datetimeFigureOut">
               <a:rPr lang="en-SG" smtClean="0"/>
-              <a:t>14/3/2023</a:t>
+              <a:t>24/5/2023</a:t>
             </a:fld>
             <a:endParaRPr lang="en-SG"/>
           </a:p>
@@ -1696,7 +1696,7 @@
           <a:p>
             <a:fld id="{618D2BDA-870A-4BD3-9F2C-7627D24A0593}" type="datetimeFigureOut">
               <a:rPr lang="en-SG" smtClean="0"/>
-              <a:t>14/3/2023</a:t>
+              <a:t>24/5/2023</a:t>
             </a:fld>
             <a:endParaRPr lang="en-SG"/>
           </a:p>
@@ -1906,7 +1906,7 @@
           <a:p>
             <a:fld id="{618D2BDA-870A-4BD3-9F2C-7627D24A0593}" type="datetimeFigureOut">
               <a:rPr lang="en-SG" smtClean="0"/>
-              <a:t>14/3/2023</a:t>
+              <a:t>24/5/2023</a:t>
             </a:fld>
             <a:endParaRPr lang="en-SG"/>
           </a:p>
@@ -2106,7 +2106,7 @@
           <a:p>
             <a:fld id="{618D2BDA-870A-4BD3-9F2C-7627D24A0593}" type="datetimeFigureOut">
               <a:rPr lang="en-SG" smtClean="0"/>
-              <a:t>14/3/2023</a:t>
+              <a:t>24/5/2023</a:t>
             </a:fld>
             <a:endParaRPr lang="en-SG"/>
           </a:p>
@@ -2382,7 +2382,7 @@
           <a:p>
             <a:fld id="{618D2BDA-870A-4BD3-9F2C-7627D24A0593}" type="datetimeFigureOut">
               <a:rPr lang="en-SG" smtClean="0"/>
-              <a:t>14/3/2023</a:t>
+              <a:t>24/5/2023</a:t>
             </a:fld>
             <a:endParaRPr lang="en-SG"/>
           </a:p>
@@ -2650,7 +2650,7 @@
           <a:p>
             <a:fld id="{618D2BDA-870A-4BD3-9F2C-7627D24A0593}" type="datetimeFigureOut">
               <a:rPr lang="en-SG" smtClean="0"/>
-              <a:t>14/3/2023</a:t>
+              <a:t>24/5/2023</a:t>
             </a:fld>
             <a:endParaRPr lang="en-SG"/>
           </a:p>
@@ -3065,7 +3065,7 @@
           <a:p>
             <a:fld id="{618D2BDA-870A-4BD3-9F2C-7627D24A0593}" type="datetimeFigureOut">
               <a:rPr lang="en-SG" smtClean="0"/>
-              <a:t>14/3/2023</a:t>
+              <a:t>24/5/2023</a:t>
             </a:fld>
             <a:endParaRPr lang="en-SG"/>
           </a:p>
@@ -3207,7 +3207,7 @@
           <a:p>
             <a:fld id="{618D2BDA-870A-4BD3-9F2C-7627D24A0593}" type="datetimeFigureOut">
               <a:rPr lang="en-SG" smtClean="0"/>
-              <a:t>14/3/2023</a:t>
+              <a:t>24/5/2023</a:t>
             </a:fld>
             <a:endParaRPr lang="en-SG"/>
           </a:p>
@@ -3320,7 +3320,7 @@
           <a:p>
             <a:fld id="{618D2BDA-870A-4BD3-9F2C-7627D24A0593}" type="datetimeFigureOut">
               <a:rPr lang="en-SG" smtClean="0"/>
-              <a:t>14/3/2023</a:t>
+              <a:t>24/5/2023</a:t>
             </a:fld>
             <a:endParaRPr lang="en-SG"/>
           </a:p>
@@ -3633,7 +3633,7 @@
           <a:p>
             <a:fld id="{618D2BDA-870A-4BD3-9F2C-7627D24A0593}" type="datetimeFigureOut">
               <a:rPr lang="en-SG" smtClean="0"/>
-              <a:t>14/3/2023</a:t>
+              <a:t>24/5/2023</a:t>
             </a:fld>
             <a:endParaRPr lang="en-SG"/>
           </a:p>
@@ -3922,7 +3922,7 @@
           <a:p>
             <a:fld id="{618D2BDA-870A-4BD3-9F2C-7627D24A0593}" type="datetimeFigureOut">
               <a:rPr lang="en-SG" smtClean="0"/>
-              <a:t>14/3/2023</a:t>
+              <a:t>24/5/2023</a:t>
             </a:fld>
             <a:endParaRPr lang="en-SG"/>
           </a:p>
@@ -4165,7 +4165,7 @@
           <a:p>
             <a:fld id="{618D2BDA-870A-4BD3-9F2C-7627D24A0593}" type="datetimeFigureOut">
               <a:rPr lang="en-SG" smtClean="0"/>
-              <a:t>14/3/2023</a:t>
+              <a:t>24/5/2023</a:t>
             </a:fld>
             <a:endParaRPr lang="en-SG"/>
           </a:p>
@@ -8243,8 +8243,8 @@
           </p:nvSpPr>
           <p:spPr>
             <a:xfrm rot="760754" flipV="1">
-              <a:off x="4145685" y="3453737"/>
-              <a:ext cx="1526564" cy="332033"/>
+              <a:off x="4124959" y="3353766"/>
+              <a:ext cx="1526564" cy="716225"/>
             </a:xfrm>
             <a:custGeom>
               <a:avLst/>
@@ -8452,8 +8452,8 @@
           </p:nvSpPr>
           <p:spPr>
             <a:xfrm>
-              <a:off x="3150421" y="3594605"/>
-              <a:ext cx="874823" cy="282752"/>
+              <a:off x="3170234" y="3256240"/>
+              <a:ext cx="833298" cy="816109"/>
             </a:xfrm>
             <a:custGeom>
               <a:avLst/>
@@ -8701,8 +8701,8 @@
           </p:nvSpPr>
           <p:spPr>
             <a:xfrm>
-              <a:off x="5880078" y="3276565"/>
-              <a:ext cx="850410" cy="308282"/>
+              <a:off x="5880077" y="3174138"/>
+              <a:ext cx="909349" cy="449595"/>
             </a:xfrm>
             <a:custGeom>
               <a:avLst/>
@@ -9000,8 +9000,8 @@
           </p:nvSpPr>
           <p:spPr>
             <a:xfrm>
-              <a:off x="5492646" y="3094908"/>
-              <a:ext cx="273948" cy="153960"/>
+              <a:off x="5480394" y="3090003"/>
+              <a:ext cx="353360" cy="186562"/>
             </a:xfrm>
             <a:prstGeom prst="flowChartConnector">
               <a:avLst/>
@@ -11502,8 +11502,8 @@
               </a:prstGeom>
             </p:spPr>
           </p:pic>
-          <mc:AlternateContent xmlns:mc="http://schemas.openxmlformats.org/markup-compatibility/2006">
-            <mc:Choice xmlns:a14="http://schemas.microsoft.com/office/drawing/2010/main" Requires="a14">
+          <mc:AlternateContent xmlns:mc="http://schemas.openxmlformats.org/markup-compatibility/2006" xmlns:a14="http://schemas.microsoft.com/office/drawing/2010/main">
+            <mc:Choice Requires="a14">
               <p:sp>
                 <p:nvSpPr>
                   <p:cNvPr id="9" name="TextBox 8">
@@ -11640,7 +11640,7 @@
                               <m:nor/>
                             </m:rPr>
                             <a:rPr lang="en-SG" sz="1200" dirty="0"/>
-                            <m:t> - </m:t>
+                            <m:t> − </m:t>
                           </m:r>
                           <m:r>
                             <m:rPr>
@@ -11672,7 +11672,7 @@
                 </p:txBody>
               </p:sp>
             </mc:Choice>
-            <mc:Fallback>
+            <mc:Fallback xmlns="">
               <p:sp>
                 <p:nvSpPr>
                   <p:cNvPr id="9" name="TextBox 8">
@@ -12006,8 +12006,8 @@
               </a:p>
             </p:txBody>
           </p:sp>
-          <mc:AlternateContent xmlns:mc="http://schemas.openxmlformats.org/markup-compatibility/2006">
-            <mc:Choice xmlns:a14="http://schemas.microsoft.com/office/drawing/2010/main" Requires="a14">
+          <mc:AlternateContent xmlns:mc="http://schemas.openxmlformats.org/markup-compatibility/2006" xmlns:a14="http://schemas.microsoft.com/office/drawing/2010/main">
+            <mc:Choice Requires="a14">
               <p:sp>
                 <p:nvSpPr>
                   <p:cNvPr id="16" name="TextBox 15">
@@ -12153,7 +12153,7 @@
                 </p:txBody>
               </p:sp>
             </mc:Choice>
-            <mc:Fallback>
+            <mc:Fallback xmlns="">
               <p:sp>
                 <p:nvSpPr>
                   <p:cNvPr id="16" name="TextBox 15">
@@ -12468,8 +12468,8 @@
               </a:prstGeom>
             </p:spPr>
           </p:pic>
-          <mc:AlternateContent xmlns:mc="http://schemas.openxmlformats.org/markup-compatibility/2006">
-            <mc:Choice xmlns:a14="http://schemas.microsoft.com/office/drawing/2010/main" Requires="a14">
+          <mc:AlternateContent xmlns:mc="http://schemas.openxmlformats.org/markup-compatibility/2006" xmlns:a14="http://schemas.microsoft.com/office/drawing/2010/main">
+            <mc:Choice Requires="a14">
               <p:sp>
                 <p:nvSpPr>
                   <p:cNvPr id="22" name="TextBox 21">
@@ -12658,7 +12658,7 @@
                 </p:txBody>
               </p:sp>
             </mc:Choice>
-            <mc:Fallback>
+            <mc:Fallback xmlns="">
               <p:sp>
                 <p:nvSpPr>
                   <p:cNvPr id="22" name="TextBox 21">
